--- a/static/pagina-inicial-espec-covid19.pptx
+++ b/static/pagina-inicial-espec-covid19.pptx
@@ -7,7 +7,8 @@
   <p:sldIdLst>
     <p:sldId id="256" r:id="rId2"/>
     <p:sldId id="258" r:id="rId3"/>
-    <p:sldId id="259" r:id="rId4"/>
+    <p:sldId id="260" r:id="rId4"/>
+    <p:sldId id="259" r:id="rId5"/>
   </p:sldIdLst>
   <p:sldSz cx="12192000" cy="6858000"/>
   <p:notesSz cx="6858000" cy="9144000"/>
@@ -245,7 +246,7 @@
           <a:p>
             <a:fld id="{0DAC32FC-DBAC-4007-937A-15B4E69A3744}" type="datetimeFigureOut">
               <a:rPr lang="pt-BR" smtClean="0"/>
-              <a:t>18/05/2020</a:t>
+              <a:t>20/05/2020</a:t>
             </a:fld>
             <a:endParaRPr lang="pt-BR"/>
           </a:p>
@@ -415,7 +416,7 @@
           <a:p>
             <a:fld id="{0DAC32FC-DBAC-4007-937A-15B4E69A3744}" type="datetimeFigureOut">
               <a:rPr lang="pt-BR" smtClean="0"/>
-              <a:t>18/05/2020</a:t>
+              <a:t>20/05/2020</a:t>
             </a:fld>
             <a:endParaRPr lang="pt-BR"/>
           </a:p>
@@ -595,7 +596,7 @@
           <a:p>
             <a:fld id="{0DAC32FC-DBAC-4007-937A-15B4E69A3744}" type="datetimeFigureOut">
               <a:rPr lang="pt-BR" smtClean="0"/>
-              <a:t>18/05/2020</a:t>
+              <a:t>20/05/2020</a:t>
             </a:fld>
             <a:endParaRPr lang="pt-BR"/>
           </a:p>
@@ -765,7 +766,7 @@
           <a:p>
             <a:fld id="{0DAC32FC-DBAC-4007-937A-15B4E69A3744}" type="datetimeFigureOut">
               <a:rPr lang="pt-BR" smtClean="0"/>
-              <a:t>18/05/2020</a:t>
+              <a:t>20/05/2020</a:t>
             </a:fld>
             <a:endParaRPr lang="pt-BR"/>
           </a:p>
@@ -1011,7 +1012,7 @@
           <a:p>
             <a:fld id="{0DAC32FC-DBAC-4007-937A-15B4E69A3744}" type="datetimeFigureOut">
               <a:rPr lang="pt-BR" smtClean="0"/>
-              <a:t>18/05/2020</a:t>
+              <a:t>20/05/2020</a:t>
             </a:fld>
             <a:endParaRPr lang="pt-BR"/>
           </a:p>
@@ -1243,7 +1244,7 @@
           <a:p>
             <a:fld id="{0DAC32FC-DBAC-4007-937A-15B4E69A3744}" type="datetimeFigureOut">
               <a:rPr lang="pt-BR" smtClean="0"/>
-              <a:t>18/05/2020</a:t>
+              <a:t>20/05/2020</a:t>
             </a:fld>
             <a:endParaRPr lang="pt-BR"/>
           </a:p>
@@ -1610,7 +1611,7 @@
           <a:p>
             <a:fld id="{0DAC32FC-DBAC-4007-937A-15B4E69A3744}" type="datetimeFigureOut">
               <a:rPr lang="pt-BR" smtClean="0"/>
-              <a:t>18/05/2020</a:t>
+              <a:t>20/05/2020</a:t>
             </a:fld>
             <a:endParaRPr lang="pt-BR"/>
           </a:p>
@@ -1728,7 +1729,7 @@
           <a:p>
             <a:fld id="{0DAC32FC-DBAC-4007-937A-15B4E69A3744}" type="datetimeFigureOut">
               <a:rPr lang="pt-BR" smtClean="0"/>
-              <a:t>18/05/2020</a:t>
+              <a:t>20/05/2020</a:t>
             </a:fld>
             <a:endParaRPr lang="pt-BR"/>
           </a:p>
@@ -1823,7 +1824,7 @@
           <a:p>
             <a:fld id="{0DAC32FC-DBAC-4007-937A-15B4E69A3744}" type="datetimeFigureOut">
               <a:rPr lang="pt-BR" smtClean="0"/>
-              <a:t>18/05/2020</a:t>
+              <a:t>20/05/2020</a:t>
             </a:fld>
             <a:endParaRPr lang="pt-BR"/>
           </a:p>
@@ -2100,7 +2101,7 @@
           <a:p>
             <a:fld id="{0DAC32FC-DBAC-4007-937A-15B4E69A3744}" type="datetimeFigureOut">
               <a:rPr lang="pt-BR" smtClean="0"/>
-              <a:t>18/05/2020</a:t>
+              <a:t>20/05/2020</a:t>
             </a:fld>
             <a:endParaRPr lang="pt-BR"/>
           </a:p>
@@ -2353,7 +2354,7 @@
           <a:p>
             <a:fld id="{0DAC32FC-DBAC-4007-937A-15B4E69A3744}" type="datetimeFigureOut">
               <a:rPr lang="pt-BR" smtClean="0"/>
-              <a:t>18/05/2020</a:t>
+              <a:t>20/05/2020</a:t>
             </a:fld>
             <a:endParaRPr lang="pt-BR"/>
           </a:p>
@@ -2566,7 +2567,7 @@
           <a:p>
             <a:fld id="{0DAC32FC-DBAC-4007-937A-15B4E69A3744}" type="datetimeFigureOut">
               <a:rPr lang="pt-BR" smtClean="0"/>
-              <a:t>18/05/2020</a:t>
+              <a:t>20/05/2020</a:t>
             </a:fld>
             <a:endParaRPr lang="pt-BR"/>
           </a:p>
@@ -3450,16 +3451,16 @@
       </p:grpSpPr>
       <p:grpSp>
         <p:nvGrpSpPr>
-          <p:cNvPr id="12" name="Agrupar 11"/>
+          <p:cNvPr id="2" name="Agrupar 1"/>
           <p:cNvGrpSpPr/>
           <p:nvPr/>
         </p:nvGrpSpPr>
         <p:grpSpPr>
           <a:xfrm>
-            <a:off x="1750423" y="13401"/>
-            <a:ext cx="8530046" cy="6246244"/>
-            <a:chOff x="1750423" y="13401"/>
-            <a:chExt cx="8530046" cy="6246244"/>
+            <a:off x="1776548" y="147621"/>
+            <a:ext cx="8530046" cy="6242653"/>
+            <a:chOff x="1750423" y="16992"/>
+            <a:chExt cx="8530046" cy="6242653"/>
           </a:xfrm>
         </p:grpSpPr>
         <p:grpSp>
@@ -3470,10 +3471,10 @@
           </p:nvGrpSpPr>
           <p:grpSpPr>
             <a:xfrm>
-              <a:off x="1750423" y="13401"/>
-              <a:ext cx="8530046" cy="4741817"/>
+              <a:off x="1750423" y="16992"/>
+              <a:ext cx="8530046" cy="4765325"/>
               <a:chOff x="770709" y="548641"/>
-              <a:chExt cx="10241280" cy="5865222"/>
+              <a:chExt cx="10241280" cy="5894300"/>
             </a:xfrm>
           </p:grpSpPr>
           <p:grpSp>
@@ -3560,7 +3561,7 @@
               <p:spPr>
                 <a:xfrm>
                   <a:off x="1185475" y="4222708"/>
-                  <a:ext cx="2340385" cy="323165"/>
+                  <a:ext cx="2340385" cy="374800"/>
                 </a:xfrm>
                 <a:prstGeom prst="rect">
                   <a:avLst/>
@@ -3580,7 +3581,7 @@
                         <a:schemeClr val="bg1"/>
                       </a:solidFill>
                     </a:rPr>
-                    <a:t>Aquisições  e Contratações</a:t>
+                    <a:t>Compras e Contratos</a:t>
                   </a:r>
                   <a:endParaRPr lang="pt-BR" sz="1500" dirty="0">
                     <a:solidFill>
@@ -3599,8 +3600,8 @@
             </p:nvSpPr>
             <p:spPr>
               <a:xfrm>
-                <a:off x="8281850" y="6062246"/>
-                <a:ext cx="1580606" cy="307777"/>
+                <a:off x="8281850" y="6062247"/>
+                <a:ext cx="1580606" cy="380694"/>
               </a:xfrm>
               <a:prstGeom prst="rect">
                 <a:avLst/>
@@ -3613,16 +3614,6 @@
               </a:bodyPr>
               <a:lstStyle/>
               <a:p>
-                <a:r>
-                  <a:rPr lang="pt-BR" sz="1400" dirty="0" smtClean="0">
-                    <a:solidFill>
-                      <a:schemeClr val="bg1"/>
-                    </a:solidFill>
-                    <a:latin typeface="Arial" panose="020B0604020202020204" pitchFamily="34" charset="0"/>
-                    <a:cs typeface="Arial" panose="020B0604020202020204" pitchFamily="34" charset="0"/>
-                  </a:rPr>
-                  <a:t>Coronavírus</a:t>
-                </a:r>
                 <a:endParaRPr lang="pt-BR" sz="1400" dirty="0">
                   <a:solidFill>
                     <a:schemeClr val="bg1"/>
@@ -3764,6 +3755,307 @@
 </file>
 
 <file path=ppt/slides/slide3.xml><?xml version="1.0" encoding="utf-8"?>
+<p:sld xmlns:a="http://schemas.openxmlformats.org/drawingml/2006/main" xmlns:r="http://schemas.openxmlformats.org/officeDocument/2006/relationships" xmlns:p="http://schemas.openxmlformats.org/presentationml/2006/main">
+  <p:cSld>
+    <p:spTree>
+      <p:nvGrpSpPr>
+        <p:cNvPr id="1" name=""/>
+        <p:cNvGrpSpPr/>
+        <p:nvPr/>
+      </p:nvGrpSpPr>
+      <p:grpSpPr>
+        <a:xfrm>
+          <a:off x="0" y="0"/>
+          <a:ext cx="0" cy="0"/>
+          <a:chOff x="0" y="0"/>
+          <a:chExt cx="0" cy="0"/>
+        </a:xfrm>
+      </p:grpSpPr>
+      <p:sp>
+        <p:nvSpPr>
+          <p:cNvPr id="5" name="CaixaDeTexto 4"/>
+          <p:cNvSpPr txBox="1"/>
+          <p:nvPr/>
+        </p:nvSpPr>
+        <p:spPr>
+          <a:xfrm>
+            <a:off x="3879669" y="1794356"/>
+            <a:ext cx="3905794" cy="369332"/>
+          </a:xfrm>
+          <a:prstGeom prst="rect">
+            <a:avLst/>
+          </a:prstGeom>
+          <a:noFill/>
+        </p:spPr>
+        <p:txBody>
+          <a:bodyPr wrap="square" rtlCol="0">
+            <a:spAutoFit/>
+          </a:bodyPr>
+          <a:lstStyle/>
+          <a:p>
+            <a:pPr algn="ctr"/>
+            <a:r>
+              <a:rPr lang="pt-BR" b="1" dirty="0" smtClean="0">
+                <a:solidFill>
+                  <a:schemeClr val="bg1"/>
+                </a:solidFill>
+              </a:rPr>
+              <a:t>COVID-</a:t>
+            </a:r>
+            <a:endParaRPr lang="pt-BR" b="1" dirty="0">
+              <a:solidFill>
+                <a:schemeClr val="bg1"/>
+              </a:solidFill>
+            </a:endParaRPr>
+          </a:p>
+        </p:txBody>
+      </p:sp>
+      <p:pic>
+        <p:nvPicPr>
+          <p:cNvPr id="2" name="Imagem 1"/>
+          <p:cNvPicPr>
+            <a:picLocks noChangeAspect="1"/>
+          </p:cNvPicPr>
+          <p:nvPr/>
+        </p:nvPicPr>
+        <p:blipFill>
+          <a:blip r:embed="rId2"/>
+          <a:stretch>
+            <a:fillRect/>
+          </a:stretch>
+        </p:blipFill>
+        <p:spPr>
+          <a:xfrm>
+            <a:off x="4586336" y="1962957"/>
+            <a:ext cx="2466975" cy="323850"/>
+          </a:xfrm>
+          <a:prstGeom prst="rect">
+            <a:avLst/>
+          </a:prstGeom>
+        </p:spPr>
+      </p:pic>
+      <p:sp>
+        <p:nvSpPr>
+          <p:cNvPr id="6" name="CaixaDeTexto 5"/>
+          <p:cNvSpPr txBox="1"/>
+          <p:nvPr/>
+        </p:nvSpPr>
+        <p:spPr>
+          <a:xfrm>
+            <a:off x="3636510" y="1979022"/>
+            <a:ext cx="3905794" cy="369332"/>
+          </a:xfrm>
+          <a:prstGeom prst="rect">
+            <a:avLst/>
+          </a:prstGeom>
+          <a:noFill/>
+        </p:spPr>
+        <p:txBody>
+          <a:bodyPr wrap="square" rtlCol="0">
+            <a:spAutoFit/>
+          </a:bodyPr>
+          <a:lstStyle/>
+          <a:p>
+            <a:pPr algn="ctr"/>
+            <a:r>
+              <a:rPr lang="pt-BR" dirty="0" smtClean="0">
+                <a:solidFill>
+                  <a:schemeClr val="bg1"/>
+                </a:solidFill>
+                <a:latin typeface="Arial" panose="020B0604020202020204" pitchFamily="34" charset="0"/>
+                <a:cs typeface="Arial" panose="020B0604020202020204" pitchFamily="34" charset="0"/>
+              </a:rPr>
+              <a:t>Compras e Contratos</a:t>
+            </a:r>
+            <a:endParaRPr lang="pt-BR" dirty="0">
+              <a:solidFill>
+                <a:schemeClr val="bg1"/>
+              </a:solidFill>
+              <a:latin typeface="Arial" panose="020B0604020202020204" pitchFamily="34" charset="0"/>
+              <a:cs typeface="Arial" panose="020B0604020202020204" pitchFamily="34" charset="0"/>
+            </a:endParaRPr>
+          </a:p>
+        </p:txBody>
+      </p:sp>
+      <p:grpSp>
+        <p:nvGrpSpPr>
+          <p:cNvPr id="4" name="Agrupar 3"/>
+          <p:cNvGrpSpPr/>
+          <p:nvPr/>
+        </p:nvGrpSpPr>
+        <p:grpSpPr>
+          <a:xfrm>
+            <a:off x="1057411" y="815900"/>
+            <a:ext cx="8831172" cy="3233586"/>
+            <a:chOff x="1057411" y="815900"/>
+            <a:chExt cx="8831172" cy="3233586"/>
+          </a:xfrm>
+        </p:grpSpPr>
+        <p:grpSp>
+          <p:nvGrpSpPr>
+            <p:cNvPr id="10" name="Agrupar 9"/>
+            <p:cNvGrpSpPr/>
+            <p:nvPr/>
+          </p:nvGrpSpPr>
+          <p:grpSpPr>
+            <a:xfrm>
+              <a:off x="1057411" y="815900"/>
+              <a:ext cx="8831172" cy="3233586"/>
+              <a:chOff x="1919559" y="446568"/>
+              <a:chExt cx="8143875" cy="2695575"/>
+            </a:xfrm>
+          </p:grpSpPr>
+          <p:pic>
+            <p:nvPicPr>
+              <p:cNvPr id="7" name="Imagem 6"/>
+              <p:cNvPicPr>
+                <a:picLocks noChangeAspect="1"/>
+              </p:cNvPicPr>
+              <p:nvPr/>
+            </p:nvPicPr>
+            <p:blipFill>
+              <a:blip r:embed="rId3"/>
+              <a:stretch>
+                <a:fillRect/>
+              </a:stretch>
+            </p:blipFill>
+            <p:spPr>
+              <a:xfrm>
+                <a:off x="1919559" y="446568"/>
+                <a:ext cx="8143875" cy="2695575"/>
+              </a:xfrm>
+              <a:prstGeom prst="rect">
+                <a:avLst/>
+              </a:prstGeom>
+            </p:spPr>
+          </p:pic>
+          <p:pic>
+            <p:nvPicPr>
+              <p:cNvPr id="8" name="Imagem 7"/>
+              <p:cNvPicPr>
+                <a:picLocks noChangeAspect="1"/>
+              </p:cNvPicPr>
+              <p:nvPr/>
+            </p:nvPicPr>
+            <p:blipFill>
+              <a:blip r:embed="rId4"/>
+              <a:stretch>
+                <a:fillRect/>
+              </a:stretch>
+            </p:blipFill>
+            <p:spPr>
+              <a:xfrm>
+                <a:off x="7448821" y="1953899"/>
+                <a:ext cx="1657350" cy="1028700"/>
+              </a:xfrm>
+              <a:prstGeom prst="rect">
+                <a:avLst/>
+              </a:prstGeom>
+            </p:spPr>
+          </p:pic>
+        </p:grpSp>
+        <p:pic>
+          <p:nvPicPr>
+            <p:cNvPr id="3" name="Imagem 2"/>
+            <p:cNvPicPr>
+              <a:picLocks noChangeAspect="1"/>
+            </p:cNvPicPr>
+            <p:nvPr/>
+          </p:nvPicPr>
+          <p:blipFill>
+            <a:blip r:embed="rId5"/>
+            <a:stretch>
+              <a:fillRect/>
+            </a:stretch>
+          </p:blipFill>
+          <p:spPr>
+            <a:xfrm>
+              <a:off x="8028757" y="3254152"/>
+              <a:ext cx="621875" cy="325071"/>
+            </a:xfrm>
+            <a:prstGeom prst="rect">
+              <a:avLst/>
+            </a:prstGeom>
+          </p:spPr>
+        </p:pic>
+      </p:grpSp>
+      <p:pic>
+        <p:nvPicPr>
+          <p:cNvPr id="9" name="Imagem 8"/>
+          <p:cNvPicPr>
+            <a:picLocks noChangeAspect="1"/>
+          </p:cNvPicPr>
+          <p:nvPr/>
+        </p:nvPicPr>
+        <p:blipFill>
+          <a:blip r:embed="rId6"/>
+          <a:stretch>
+            <a:fillRect/>
+          </a:stretch>
+        </p:blipFill>
+        <p:spPr>
+          <a:xfrm>
+            <a:off x="4500676" y="1912769"/>
+            <a:ext cx="2190750" cy="434606"/>
+          </a:xfrm>
+          <a:prstGeom prst="rect">
+            <a:avLst/>
+          </a:prstGeom>
+        </p:spPr>
+      </p:pic>
+      <p:sp>
+        <p:nvSpPr>
+          <p:cNvPr id="11" name="CaixaDeTexto 10"/>
+          <p:cNvSpPr txBox="1"/>
+          <p:nvPr/>
+        </p:nvSpPr>
+        <p:spPr>
+          <a:xfrm>
+            <a:off x="3636510" y="1962957"/>
+            <a:ext cx="3905794" cy="369332"/>
+          </a:xfrm>
+          <a:prstGeom prst="rect">
+            <a:avLst/>
+          </a:prstGeom>
+          <a:noFill/>
+        </p:spPr>
+        <p:txBody>
+          <a:bodyPr wrap="square" rtlCol="0">
+            <a:spAutoFit/>
+          </a:bodyPr>
+          <a:lstStyle/>
+          <a:p>
+            <a:pPr algn="ctr"/>
+            <a:r>
+              <a:rPr lang="pt-BR" dirty="0" smtClean="0">
+                <a:solidFill>
+                  <a:schemeClr val="bg1"/>
+                </a:solidFill>
+              </a:rPr>
+              <a:t>Compras e Contratos</a:t>
+            </a:r>
+            <a:endParaRPr lang="pt-BR" dirty="0">
+              <a:solidFill>
+                <a:schemeClr val="bg1"/>
+              </a:solidFill>
+            </a:endParaRPr>
+          </a:p>
+        </p:txBody>
+      </p:sp>
+    </p:spTree>
+    <p:extLst>
+      <p:ext uri="{BB962C8B-B14F-4D97-AF65-F5344CB8AC3E}">
+        <p14:creationId xmlns:p14="http://schemas.microsoft.com/office/powerpoint/2010/main" val="3266363345"/>
+      </p:ext>
+    </p:extLst>
+  </p:cSld>
+  <p:clrMapOvr>
+    <a:masterClrMapping/>
+  </p:clrMapOvr>
+</p:sld>
+</file>
+
+<file path=ppt/slides/slide4.xml><?xml version="1.0" encoding="utf-8"?>
 <p:sld xmlns:a="http://schemas.openxmlformats.org/drawingml/2006/main" xmlns:r="http://schemas.openxmlformats.org/officeDocument/2006/relationships" xmlns:p="http://schemas.openxmlformats.org/presentationml/2006/main">
   <p:cSld>
     <p:spTree>

--- a/static/pagina-inicial-espec-covid19.pptx
+++ b/static/pagina-inicial-espec-covid19.pptx
@@ -115,6 +115,32 @@
 </p:presentation>
 </file>
 
+<file path=ppt/commentAuthors.xml><?xml version="1.0" encoding="utf-8"?>
+<p:cmAuthorLst xmlns:a="http://schemas.openxmlformats.org/drawingml/2006/main" xmlns:r="http://schemas.openxmlformats.org/officeDocument/2006/relationships" xmlns:p="http://schemas.openxmlformats.org/presentationml/2006/main">
+  <p:cmAuthor id="1" name="Silviana Aparecida de Faria" initials="SAdF" lastIdx="1" clrIdx="0">
+    <p:extLst>
+      <p:ext uri="{19B8F6BF-5375-455C-9EA6-DF929625EA0E}">
+        <p15:presenceInfo xmlns:p15="http://schemas.microsoft.com/office/powerpoint/2012/main" userId="be2642b0be20ee08" providerId="Windows Live"/>
+      </p:ext>
+    </p:extLst>
+  </p:cmAuthor>
+</p:cmAuthorLst>
+</file>
+
+<file path=ppt/comments/comment1.xml><?xml version="1.0" encoding="utf-8"?>
+<p:cmLst xmlns:a="http://schemas.openxmlformats.org/drawingml/2006/main" xmlns:r="http://schemas.openxmlformats.org/officeDocument/2006/relationships" xmlns:p="http://schemas.openxmlformats.org/presentationml/2006/main">
+  <p:cm authorId="1" dt="2020-05-27T10:20:19.795" idx="1">
+    <p:pos x="10" y="10"/>
+    <p:text/>
+    <p:extLst>
+      <p:ext uri="{C676402C-5697-4E1C-873F-D02D1690AC5C}">
+        <p15:threadingInfo xmlns:p15="http://schemas.microsoft.com/office/powerpoint/2012/main" timeZoneBias="180"/>
+      </p:ext>
+    </p:extLst>
+  </p:cm>
+</p:cmLst>
+</file>
+
 <file path=ppt/slideLayouts/slideLayout1.xml><?xml version="1.0" encoding="utf-8"?>
 <p:sldLayout xmlns:a="http://schemas.openxmlformats.org/drawingml/2006/main" xmlns:r="http://schemas.openxmlformats.org/officeDocument/2006/relationships" xmlns:p="http://schemas.openxmlformats.org/presentationml/2006/main" type="title" preserve="1">
   <p:cSld name="Slide de Título">
@@ -246,7 +272,7 @@
           <a:p>
             <a:fld id="{0DAC32FC-DBAC-4007-937A-15B4E69A3744}" type="datetimeFigureOut">
               <a:rPr lang="pt-BR" smtClean="0"/>
-              <a:t>20/05/2020</a:t>
+              <a:t>27/05/2020</a:t>
             </a:fld>
             <a:endParaRPr lang="pt-BR"/>
           </a:p>
@@ -416,7 +442,7 @@
           <a:p>
             <a:fld id="{0DAC32FC-DBAC-4007-937A-15B4E69A3744}" type="datetimeFigureOut">
               <a:rPr lang="pt-BR" smtClean="0"/>
-              <a:t>20/05/2020</a:t>
+              <a:t>27/05/2020</a:t>
             </a:fld>
             <a:endParaRPr lang="pt-BR"/>
           </a:p>
@@ -596,7 +622,7 @@
           <a:p>
             <a:fld id="{0DAC32FC-DBAC-4007-937A-15B4E69A3744}" type="datetimeFigureOut">
               <a:rPr lang="pt-BR" smtClean="0"/>
-              <a:t>20/05/2020</a:t>
+              <a:t>27/05/2020</a:t>
             </a:fld>
             <a:endParaRPr lang="pt-BR"/>
           </a:p>
@@ -766,7 +792,7 @@
           <a:p>
             <a:fld id="{0DAC32FC-DBAC-4007-937A-15B4E69A3744}" type="datetimeFigureOut">
               <a:rPr lang="pt-BR" smtClean="0"/>
-              <a:t>20/05/2020</a:t>
+              <a:t>27/05/2020</a:t>
             </a:fld>
             <a:endParaRPr lang="pt-BR"/>
           </a:p>
@@ -1012,7 +1038,7 @@
           <a:p>
             <a:fld id="{0DAC32FC-DBAC-4007-937A-15B4E69A3744}" type="datetimeFigureOut">
               <a:rPr lang="pt-BR" smtClean="0"/>
-              <a:t>20/05/2020</a:t>
+              <a:t>27/05/2020</a:t>
             </a:fld>
             <a:endParaRPr lang="pt-BR"/>
           </a:p>
@@ -1244,7 +1270,7 @@
           <a:p>
             <a:fld id="{0DAC32FC-DBAC-4007-937A-15B4E69A3744}" type="datetimeFigureOut">
               <a:rPr lang="pt-BR" smtClean="0"/>
-              <a:t>20/05/2020</a:t>
+              <a:t>27/05/2020</a:t>
             </a:fld>
             <a:endParaRPr lang="pt-BR"/>
           </a:p>
@@ -1611,7 +1637,7 @@
           <a:p>
             <a:fld id="{0DAC32FC-DBAC-4007-937A-15B4E69A3744}" type="datetimeFigureOut">
               <a:rPr lang="pt-BR" smtClean="0"/>
-              <a:t>20/05/2020</a:t>
+              <a:t>27/05/2020</a:t>
             </a:fld>
             <a:endParaRPr lang="pt-BR"/>
           </a:p>
@@ -1729,7 +1755,7 @@
           <a:p>
             <a:fld id="{0DAC32FC-DBAC-4007-937A-15B4E69A3744}" type="datetimeFigureOut">
               <a:rPr lang="pt-BR" smtClean="0"/>
-              <a:t>20/05/2020</a:t>
+              <a:t>27/05/2020</a:t>
             </a:fld>
             <a:endParaRPr lang="pt-BR"/>
           </a:p>
@@ -1824,7 +1850,7 @@
           <a:p>
             <a:fld id="{0DAC32FC-DBAC-4007-937A-15B4E69A3744}" type="datetimeFigureOut">
               <a:rPr lang="pt-BR" smtClean="0"/>
-              <a:t>20/05/2020</a:t>
+              <a:t>27/05/2020</a:t>
             </a:fld>
             <a:endParaRPr lang="pt-BR"/>
           </a:p>
@@ -2101,7 +2127,7 @@
           <a:p>
             <a:fld id="{0DAC32FC-DBAC-4007-937A-15B4E69A3744}" type="datetimeFigureOut">
               <a:rPr lang="pt-BR" smtClean="0"/>
-              <a:t>20/05/2020</a:t>
+              <a:t>27/05/2020</a:t>
             </a:fld>
             <a:endParaRPr lang="pt-BR"/>
           </a:p>
@@ -2354,7 +2380,7 @@
           <a:p>
             <a:fld id="{0DAC32FC-DBAC-4007-937A-15B4E69A3744}" type="datetimeFigureOut">
               <a:rPr lang="pt-BR" smtClean="0"/>
-              <a:t>20/05/2020</a:t>
+              <a:t>27/05/2020</a:t>
             </a:fld>
             <a:endParaRPr lang="pt-BR"/>
           </a:p>
@@ -2567,7 +2593,7 @@
           <a:p>
             <a:fld id="{0DAC32FC-DBAC-4007-937A-15B4E69A3744}" type="datetimeFigureOut">
               <a:rPr lang="pt-BR" smtClean="0"/>
-              <a:t>20/05/2020</a:t>
+              <a:t>27/05/2020</a:t>
             </a:fld>
             <a:endParaRPr lang="pt-BR"/>
           </a:p>
@@ -3771,48 +3797,9 @@
           <a:chExt cx="0" cy="0"/>
         </a:xfrm>
       </p:grpSpPr>
-      <p:sp>
-        <p:nvSpPr>
-          <p:cNvPr id="5" name="CaixaDeTexto 4"/>
-          <p:cNvSpPr txBox="1"/>
-          <p:nvPr/>
-        </p:nvSpPr>
-        <p:spPr>
-          <a:xfrm>
-            <a:off x="3879669" y="1794356"/>
-            <a:ext cx="3905794" cy="369332"/>
-          </a:xfrm>
-          <a:prstGeom prst="rect">
-            <a:avLst/>
-          </a:prstGeom>
-          <a:noFill/>
-        </p:spPr>
-        <p:txBody>
-          <a:bodyPr wrap="square" rtlCol="0">
-            <a:spAutoFit/>
-          </a:bodyPr>
-          <a:lstStyle/>
-          <a:p>
-            <a:pPr algn="ctr"/>
-            <a:r>
-              <a:rPr lang="pt-BR" b="1" dirty="0" smtClean="0">
-                <a:solidFill>
-                  <a:schemeClr val="bg1"/>
-                </a:solidFill>
-              </a:rPr>
-              <a:t>COVID-</a:t>
-            </a:r>
-            <a:endParaRPr lang="pt-BR" b="1" dirty="0">
-              <a:solidFill>
-                <a:schemeClr val="bg1"/>
-              </a:solidFill>
-            </a:endParaRPr>
-          </a:p>
-        </p:txBody>
-      </p:sp>
       <p:pic>
         <p:nvPicPr>
-          <p:cNvPr id="2" name="Imagem 1"/>
+          <p:cNvPr id="4" name="Imagem 3"/>
           <p:cNvPicPr>
             <a:picLocks noChangeAspect="1"/>
           </p:cNvPicPr>
@@ -3826,162 +3813,89 @@
         </p:blipFill>
         <p:spPr>
           <a:xfrm>
-            <a:off x="4586336" y="1962957"/>
-            <a:ext cx="2466975" cy="323850"/>
+            <a:off x="293816" y="204006"/>
+            <a:ext cx="11672944" cy="4463528"/>
           </a:xfrm>
           <a:prstGeom prst="rect">
             <a:avLst/>
           </a:prstGeom>
         </p:spPr>
       </p:pic>
-      <p:sp>
-        <p:nvSpPr>
-          <p:cNvPr id="6" name="CaixaDeTexto 5"/>
-          <p:cNvSpPr txBox="1"/>
+      <p:pic>
+        <p:nvPicPr>
+          <p:cNvPr id="11" name="Imagem 10"/>
+          <p:cNvPicPr>
+            <a:picLocks noChangeAspect="1"/>
+          </p:cNvPicPr>
           <p:nvPr/>
-        </p:nvSpPr>
+        </p:nvPicPr>
+        <p:blipFill>
+          <a:blip r:embed="rId3"/>
+          <a:stretch>
+            <a:fillRect/>
+          </a:stretch>
+        </p:blipFill>
         <p:spPr>
           <a:xfrm>
-            <a:off x="3636510" y="1979022"/>
-            <a:ext cx="3905794" cy="369332"/>
+            <a:off x="8659574" y="1280793"/>
+            <a:ext cx="2204965" cy="1230395"/>
           </a:xfrm>
           <a:prstGeom prst="rect">
             <a:avLst/>
           </a:prstGeom>
-          <a:noFill/>
         </p:spPr>
-        <p:txBody>
-          <a:bodyPr wrap="square" rtlCol="0">
-            <a:spAutoFit/>
-          </a:bodyPr>
-          <a:lstStyle/>
-          <a:p>
-            <a:pPr algn="ctr"/>
-            <a:r>
-              <a:rPr lang="pt-BR" dirty="0" smtClean="0">
-                <a:solidFill>
-                  <a:schemeClr val="bg1"/>
-                </a:solidFill>
-                <a:latin typeface="Arial" panose="020B0604020202020204" pitchFamily="34" charset="0"/>
-                <a:cs typeface="Arial" panose="020B0604020202020204" pitchFamily="34" charset="0"/>
-              </a:rPr>
-              <a:t>Compras e Contratos</a:t>
-            </a:r>
-            <a:endParaRPr lang="pt-BR" dirty="0">
-              <a:solidFill>
-                <a:schemeClr val="bg1"/>
-              </a:solidFill>
-              <a:latin typeface="Arial" panose="020B0604020202020204" pitchFamily="34" charset="0"/>
-              <a:cs typeface="Arial" panose="020B0604020202020204" pitchFamily="34" charset="0"/>
-            </a:endParaRPr>
-          </a:p>
-        </p:txBody>
-      </p:sp>
-      <p:grpSp>
-        <p:nvGrpSpPr>
-          <p:cNvPr id="4" name="Agrupar 3"/>
-          <p:cNvGrpSpPr/>
-          <p:nvPr/>
-        </p:nvGrpSpPr>
-        <p:grpSpPr>
-          <a:xfrm>
-            <a:off x="1057411" y="815900"/>
-            <a:ext cx="8831172" cy="3233586"/>
-            <a:chOff x="1057411" y="815900"/>
-            <a:chExt cx="8831172" cy="3233586"/>
-          </a:xfrm>
-        </p:grpSpPr>
-        <p:grpSp>
-          <p:nvGrpSpPr>
-            <p:cNvPr id="10" name="Agrupar 9"/>
-            <p:cNvGrpSpPr/>
-            <p:nvPr/>
-          </p:nvGrpSpPr>
-          <p:grpSpPr>
-            <a:xfrm>
-              <a:off x="1057411" y="815900"/>
-              <a:ext cx="8831172" cy="3233586"/>
-              <a:chOff x="1919559" y="446568"/>
-              <a:chExt cx="8143875" cy="2695575"/>
-            </a:xfrm>
-          </p:grpSpPr>
-          <p:pic>
-            <p:nvPicPr>
-              <p:cNvPr id="7" name="Imagem 6"/>
-              <p:cNvPicPr>
-                <a:picLocks noChangeAspect="1"/>
-              </p:cNvPicPr>
-              <p:nvPr/>
-            </p:nvPicPr>
-            <p:blipFill>
-              <a:blip r:embed="rId3"/>
-              <a:stretch>
-                <a:fillRect/>
-              </a:stretch>
-            </p:blipFill>
-            <p:spPr>
-              <a:xfrm>
-                <a:off x="1919559" y="446568"/>
-                <a:ext cx="8143875" cy="2695575"/>
-              </a:xfrm>
-              <a:prstGeom prst="rect">
-                <a:avLst/>
-              </a:prstGeom>
-            </p:spPr>
-          </p:pic>
-          <p:pic>
-            <p:nvPicPr>
-              <p:cNvPr id="8" name="Imagem 7"/>
-              <p:cNvPicPr>
-                <a:picLocks noChangeAspect="1"/>
-              </p:cNvPicPr>
-              <p:nvPr/>
-            </p:nvPicPr>
-            <p:blipFill>
-              <a:blip r:embed="rId4"/>
-              <a:stretch>
-                <a:fillRect/>
-              </a:stretch>
-            </p:blipFill>
-            <p:spPr>
-              <a:xfrm>
-                <a:off x="7448821" y="1953899"/>
-                <a:ext cx="1657350" cy="1028700"/>
-              </a:xfrm>
-              <a:prstGeom prst="rect">
-                <a:avLst/>
-              </a:prstGeom>
-            </p:spPr>
-          </p:pic>
-        </p:grpSp>
-        <p:pic>
-          <p:nvPicPr>
-            <p:cNvPr id="3" name="Imagem 2"/>
-            <p:cNvPicPr>
-              <a:picLocks noChangeAspect="1"/>
-            </p:cNvPicPr>
-            <p:nvPr/>
-          </p:nvPicPr>
-          <p:blipFill>
-            <a:blip r:embed="rId5"/>
-            <a:stretch>
-              <a:fillRect/>
-            </a:stretch>
-          </p:blipFill>
-          <p:spPr>
-            <a:xfrm>
-              <a:off x="8028757" y="3254152"/>
-              <a:ext cx="621875" cy="325071"/>
-            </a:xfrm>
-            <a:prstGeom prst="rect">
-              <a:avLst/>
-            </a:prstGeom>
-          </p:spPr>
-        </p:pic>
-      </p:grpSp>
+      </p:pic>
       <p:pic>
         <p:nvPicPr>
-          <p:cNvPr id="9" name="Imagem 8"/>
+          <p:cNvPr id="18" name="Imagem 17"/>
+          <p:cNvPicPr>
+            <a:picLocks noChangeAspect="1"/>
+          </p:cNvPicPr>
+          <p:nvPr/>
+        </p:nvPicPr>
+        <p:blipFill>
+          <a:blip r:embed="rId4"/>
+          <a:stretch>
+            <a:fillRect/>
+          </a:stretch>
+        </p:blipFill>
+        <p:spPr>
+          <a:xfrm>
+            <a:off x="462912" y="902244"/>
+            <a:ext cx="11503847" cy="3765289"/>
+          </a:xfrm>
+          <a:prstGeom prst="rect">
+            <a:avLst/>
+          </a:prstGeom>
+        </p:spPr>
+      </p:pic>
+      <p:pic>
+        <p:nvPicPr>
+          <p:cNvPr id="20" name="Imagem 19"/>
+          <p:cNvPicPr>
+            <a:picLocks noChangeAspect="1"/>
+          </p:cNvPicPr>
+          <p:nvPr/>
+        </p:nvPicPr>
+        <p:blipFill>
+          <a:blip r:embed="rId5"/>
+          <a:stretch>
+            <a:fillRect/>
+          </a:stretch>
+        </p:blipFill>
+        <p:spPr>
+          <a:xfrm>
+            <a:off x="4189490" y="1223395"/>
+            <a:ext cx="7485198" cy="1410623"/>
+          </a:xfrm>
+          <a:prstGeom prst="rect">
+            <a:avLst/>
+          </a:prstGeom>
+        </p:spPr>
+      </p:pic>
+      <p:pic>
+        <p:nvPicPr>
+          <p:cNvPr id="22" name="Imagem 21"/>
           <p:cNvPicPr>
             <a:picLocks noChangeAspect="1"/>
           </p:cNvPicPr>
@@ -3995,8 +3909,8 @@
         </p:blipFill>
         <p:spPr>
           <a:xfrm>
-            <a:off x="4500676" y="1912769"/>
-            <a:ext cx="2190750" cy="434606"/>
+            <a:off x="1781885" y="2045458"/>
+            <a:ext cx="1261566" cy="329104"/>
           </a:xfrm>
           <a:prstGeom prst="rect">
             <a:avLst/>
@@ -4005,14 +3919,14 @@
       </p:pic>
       <p:sp>
         <p:nvSpPr>
-          <p:cNvPr id="11" name="CaixaDeTexto 10"/>
+          <p:cNvPr id="21" name="CaixaDeTexto 20"/>
           <p:cNvSpPr txBox="1"/>
           <p:nvPr/>
         </p:nvSpPr>
         <p:spPr>
           <a:xfrm>
-            <a:off x="3636510" y="1962957"/>
-            <a:ext cx="3905794" cy="369332"/>
+            <a:off x="1310185" y="2120646"/>
+            <a:ext cx="2237100" cy="307777"/>
           </a:xfrm>
           <a:prstGeom prst="rect">
             <a:avLst/>
@@ -4025,16 +3939,88 @@
           </a:bodyPr>
           <a:lstStyle/>
           <a:p>
+            <a:r>
+              <a:rPr lang="pt-BR" sz="1400">
+                <a:solidFill>
+                  <a:schemeClr val="bg1"/>
+                </a:solidFill>
+              </a:rPr>
+              <a:t>Contratações Emergenciais</a:t>
+            </a:r>
+            <a:endParaRPr lang="pt-BR" sz="1400" dirty="0">
+              <a:solidFill>
+                <a:schemeClr val="bg1"/>
+              </a:solidFill>
+            </a:endParaRPr>
+          </a:p>
+        </p:txBody>
+      </p:sp>
+      <p:pic>
+        <p:nvPicPr>
+          <p:cNvPr id="24" name="Imagem 23"/>
+          <p:cNvPicPr>
+            <a:picLocks noChangeAspect="1"/>
+          </p:cNvPicPr>
+          <p:nvPr/>
+        </p:nvPicPr>
+        <p:blipFill>
+          <a:blip r:embed="rId7"/>
+          <a:stretch>
+            <a:fillRect/>
+          </a:stretch>
+        </p:blipFill>
+        <p:spPr>
+          <a:xfrm>
+            <a:off x="4394558" y="2120646"/>
+            <a:ext cx="1381125" cy="238125"/>
+          </a:xfrm>
+          <a:prstGeom prst="rect">
+            <a:avLst/>
+          </a:prstGeom>
+        </p:spPr>
+      </p:pic>
+      <p:sp>
+        <p:nvSpPr>
+          <p:cNvPr id="23" name="Retângulo 22"/>
+          <p:cNvSpPr/>
+          <p:nvPr/>
+        </p:nvSpPr>
+        <p:spPr>
+          <a:xfrm>
+            <a:off x="4088043" y="2059091"/>
+            <a:ext cx="2053450" cy="523220"/>
+          </a:xfrm>
+          <a:prstGeom prst="rect">
+            <a:avLst/>
+          </a:prstGeom>
+        </p:spPr>
+        <p:txBody>
+          <a:bodyPr wrap="square">
+            <a:spAutoFit/>
+          </a:bodyPr>
+          <a:lstStyle/>
+          <a:p>
             <a:pPr algn="ctr"/>
             <a:r>
-              <a:rPr lang="pt-BR" dirty="0" smtClean="0">
+              <a:rPr lang="pt-BR" sz="1400" dirty="0" smtClean="0">
                 <a:solidFill>
                   <a:schemeClr val="bg1"/>
                 </a:solidFill>
               </a:rPr>
               <a:t>Compras e Contratos</a:t>
             </a:r>
-            <a:endParaRPr lang="pt-BR" dirty="0">
+          </a:p>
+          <a:p>
+            <a:pPr algn="ctr"/>
+            <a:r>
+              <a:rPr lang="pt-BR" sz="1400" dirty="0" smtClean="0">
+                <a:solidFill>
+                  <a:schemeClr val="bg1"/>
+                </a:solidFill>
+              </a:rPr>
+              <a:t>Programa 26 </a:t>
+            </a:r>
+            <a:endParaRPr lang="pt-BR" sz="1400" dirty="0">
               <a:solidFill>
                 <a:schemeClr val="bg1"/>
               </a:solidFill>
@@ -4042,10 +4028,163 @@
           </a:p>
         </p:txBody>
       </p:sp>
+      <p:sp>
+        <p:nvSpPr>
+          <p:cNvPr id="25" name="CaixaDeTexto 24"/>
+          <p:cNvSpPr txBox="1"/>
+          <p:nvPr/>
+        </p:nvSpPr>
+        <p:spPr>
+          <a:xfrm>
+            <a:off x="269587" y="4667533"/>
+            <a:ext cx="11697172" cy="2092881"/>
+          </a:xfrm>
+          <a:prstGeom prst="rect">
+            <a:avLst/>
+          </a:prstGeom>
+          <a:noFill/>
+        </p:spPr>
+        <p:txBody>
+          <a:bodyPr wrap="square" rtlCol="0">
+            <a:spAutoFit/>
+          </a:bodyPr>
+          <a:lstStyle/>
+          <a:p>
+            <a:r>
+              <a:rPr lang="pt-BR" sz="1000" dirty="0" smtClean="0">
+                <a:solidFill>
+                  <a:schemeClr val="tx1">
+                    <a:lumMod val="50000"/>
+                    <a:lumOff val="50000"/>
+                  </a:schemeClr>
+                </a:solidFill>
+              </a:rPr>
+              <a:t>Você está aqui: </a:t>
+            </a:r>
+            <a:r>
+              <a:rPr lang="pt-BR" sz="1000" dirty="0" smtClean="0">
+                <a:solidFill>
+                  <a:srgbClr val="FF0000"/>
+                </a:solidFill>
+              </a:rPr>
+              <a:t>Página Inicial </a:t>
+            </a:r>
+            <a:r>
+              <a:rPr lang="pt-BR" sz="1000" dirty="0" smtClean="0">
+                <a:solidFill>
+                  <a:schemeClr val="tx1">
+                    <a:lumMod val="50000"/>
+                    <a:lumOff val="50000"/>
+                  </a:schemeClr>
+                </a:solidFill>
+              </a:rPr>
+              <a:t>/ COVID-19</a:t>
+            </a:r>
+          </a:p>
+          <a:p>
+            <a:endParaRPr lang="pt-BR" sz="1000" dirty="0">
+              <a:solidFill>
+                <a:schemeClr val="tx1">
+                  <a:lumMod val="50000"/>
+                  <a:lumOff val="50000"/>
+                </a:schemeClr>
+              </a:solidFill>
+            </a:endParaRPr>
+          </a:p>
+          <a:p>
+            <a:r>
+              <a:rPr lang="pt-BR" sz="1000" dirty="0" smtClean="0">
+                <a:solidFill>
+                  <a:schemeClr val="tx1">
+                    <a:lumMod val="50000"/>
+                    <a:lumOff val="50000"/>
+                  </a:schemeClr>
+                </a:solidFill>
+              </a:rPr>
+              <a:t>18/05/2020     Última Atualização 18 de Maio 2020</a:t>
+            </a:r>
+          </a:p>
+          <a:p>
+            <a:endParaRPr lang="pt-BR" sz="1000" dirty="0">
+              <a:solidFill>
+                <a:schemeClr val="tx1">
+                  <a:lumMod val="50000"/>
+                  <a:lumOff val="50000"/>
+                </a:schemeClr>
+              </a:solidFill>
+            </a:endParaRPr>
+          </a:p>
+          <a:p>
+            <a:r>
+              <a:rPr lang="pt-BR" sz="1000" dirty="0"/>
+              <a:t>Com foco no fomento da transparência e melhores práticas para atender ao cidadão, o Estado de Minas Gerais disponibiliza sessão específica para facilitar a divulgação de informações relativas aos Contratos Emergenciais amparados pela Lei Federal nº 13.979, de 6 de fevereiro de 2020 e Lei Estadual nº 23.640, de 14 de maio de 2020 para aquisição de bens, serviços, inclusive de engenharia, obras, alienações e locações necessários ao enfrentamento da calamidade de saúde pública e estado de emergência decorrentes da COVID-19</a:t>
+            </a:r>
+            <a:r>
+              <a:rPr lang="pt-BR" sz="1000" dirty="0" smtClean="0"/>
+              <a:t>.</a:t>
+            </a:r>
+          </a:p>
+          <a:p>
+            <a:endParaRPr lang="pt-BR" sz="1000" dirty="0"/>
+          </a:p>
+          <a:p>
+            <a:r>
+              <a:rPr lang="pt-BR" sz="1000" dirty="0" smtClean="0"/>
+              <a:t>Por </a:t>
+            </a:r>
+            <a:r>
+              <a:rPr lang="pt-BR" sz="1000" dirty="0"/>
+              <a:t>meio dessa seção é possível consultar a legislação de referência, os relatórios de execução financeira, dados dos contratados, valores, dentre outras informações, de forma estruturada e em formato </a:t>
+            </a:r>
+            <a:r>
+              <a:rPr lang="pt-BR" sz="1000" dirty="0" smtClean="0"/>
+              <a:t>aberto.</a:t>
+            </a:r>
+          </a:p>
+          <a:p>
+            <a:endParaRPr lang="pt-BR" sz="1000" dirty="0" smtClean="0"/>
+          </a:p>
+          <a:p>
+            <a:r>
+              <a:rPr lang="pt-BR" sz="1000" dirty="0" smtClean="0"/>
+              <a:t>Ao </a:t>
+            </a:r>
+            <a:r>
+              <a:rPr lang="pt-BR" sz="1000" dirty="0"/>
+              <a:t>clicar em Ouvidoria, um canal específico para denúncias, reclamações e sugestões também está disponível ao cidadão</a:t>
+            </a:r>
+            <a:r>
+              <a:rPr lang="pt-BR" sz="1000" dirty="0" smtClean="0"/>
+              <a:t>.</a:t>
+            </a:r>
+          </a:p>
+          <a:p>
+            <a:r>
+              <a:rPr lang="pt-BR" sz="1000" dirty="0" smtClean="0"/>
+              <a:t>E </a:t>
+            </a:r>
+            <a:r>
+              <a:rPr lang="pt-BR" sz="1000" dirty="0"/>
+              <a:t>caso deseje mais informações, solicite por meio do Acesso à Informação</a:t>
+            </a:r>
+            <a:r>
+              <a:rPr lang="pt-BR" sz="1000" dirty="0" smtClean="0"/>
+              <a:t>.</a:t>
+            </a:r>
+          </a:p>
+          <a:p>
+            <a:r>
+              <a:rPr lang="pt-BR" sz="1000" dirty="0" smtClean="0"/>
+              <a:t>.</a:t>
+            </a:r>
+            <a:endParaRPr lang="pt-BR" sz="1000" dirty="0"/>
+          </a:p>
+        </p:txBody>
+      </p:sp>
     </p:spTree>
     <p:extLst>
       <p:ext uri="{BB962C8B-B14F-4D97-AF65-F5344CB8AC3E}">
-        <p14:creationId xmlns:p14="http://schemas.microsoft.com/office/powerpoint/2010/main" val="3266363345"/>
+        <p14:creationId xmlns:p14="http://schemas.microsoft.com/office/powerpoint/2010/main" val="3524063408"/>
       </p:ext>
     </p:extLst>
   </p:cSld>

--- a/static/pagina-inicial-espec-covid19.pptx
+++ b/static/pagina-inicial-espec-covid19.pptx
@@ -3799,7 +3799,7 @@
       </p:grpSpPr>
       <p:pic>
         <p:nvPicPr>
-          <p:cNvPr id="4" name="Imagem 3"/>
+          <p:cNvPr id="11" name="Imagem 10"/>
           <p:cNvPicPr>
             <a:picLocks noChangeAspect="1"/>
           </p:cNvPicPr>
@@ -3807,30 +3807,6 @@
         </p:nvPicPr>
         <p:blipFill>
           <a:blip r:embed="rId2"/>
-          <a:stretch>
-            <a:fillRect/>
-          </a:stretch>
-        </p:blipFill>
-        <p:spPr>
-          <a:xfrm>
-            <a:off x="293816" y="204006"/>
-            <a:ext cx="11672944" cy="4463528"/>
-          </a:xfrm>
-          <a:prstGeom prst="rect">
-            <a:avLst/>
-          </a:prstGeom>
-        </p:spPr>
-      </p:pic>
-      <p:pic>
-        <p:nvPicPr>
-          <p:cNvPr id="11" name="Imagem 10"/>
-          <p:cNvPicPr>
-            <a:picLocks noChangeAspect="1"/>
-          </p:cNvPicPr>
-          <p:nvPr/>
-        </p:nvPicPr>
-        <p:blipFill>
-          <a:blip r:embed="rId3"/>
           <a:stretch>
             <a:fillRect/>
           </a:stretch>
@@ -3847,54 +3823,6 @@
       </p:pic>
       <p:pic>
         <p:nvPicPr>
-          <p:cNvPr id="18" name="Imagem 17"/>
-          <p:cNvPicPr>
-            <a:picLocks noChangeAspect="1"/>
-          </p:cNvPicPr>
-          <p:nvPr/>
-        </p:nvPicPr>
-        <p:blipFill>
-          <a:blip r:embed="rId4"/>
-          <a:stretch>
-            <a:fillRect/>
-          </a:stretch>
-        </p:blipFill>
-        <p:spPr>
-          <a:xfrm>
-            <a:off x="462912" y="902244"/>
-            <a:ext cx="11503847" cy="3765289"/>
-          </a:xfrm>
-          <a:prstGeom prst="rect">
-            <a:avLst/>
-          </a:prstGeom>
-        </p:spPr>
-      </p:pic>
-      <p:pic>
-        <p:nvPicPr>
-          <p:cNvPr id="20" name="Imagem 19"/>
-          <p:cNvPicPr>
-            <a:picLocks noChangeAspect="1"/>
-          </p:cNvPicPr>
-          <p:nvPr/>
-        </p:nvPicPr>
-        <p:blipFill>
-          <a:blip r:embed="rId5"/>
-          <a:stretch>
-            <a:fillRect/>
-          </a:stretch>
-        </p:blipFill>
-        <p:spPr>
-          <a:xfrm>
-            <a:off x="4189490" y="1223395"/>
-            <a:ext cx="7485198" cy="1410623"/>
-          </a:xfrm>
-          <a:prstGeom prst="rect">
-            <a:avLst/>
-          </a:prstGeom>
-        </p:spPr>
-      </p:pic>
-      <p:pic>
-        <p:nvPicPr>
           <p:cNvPr id="22" name="Imagem 21"/>
           <p:cNvPicPr>
             <a:picLocks noChangeAspect="1"/>
@@ -3902,7 +3830,7 @@
           <p:nvPr/>
         </p:nvPicPr>
         <p:blipFill>
-          <a:blip r:embed="rId6"/>
+          <a:blip r:embed="rId3"/>
           <a:stretch>
             <a:fillRect/>
           </a:stretch>
@@ -3917,44 +3845,6 @@
           </a:prstGeom>
         </p:spPr>
       </p:pic>
-      <p:sp>
-        <p:nvSpPr>
-          <p:cNvPr id="21" name="CaixaDeTexto 20"/>
-          <p:cNvSpPr txBox="1"/>
-          <p:nvPr/>
-        </p:nvSpPr>
-        <p:spPr>
-          <a:xfrm>
-            <a:off x="1310185" y="2120646"/>
-            <a:ext cx="2237100" cy="307777"/>
-          </a:xfrm>
-          <a:prstGeom prst="rect">
-            <a:avLst/>
-          </a:prstGeom>
-          <a:noFill/>
-        </p:spPr>
-        <p:txBody>
-          <a:bodyPr wrap="square" rtlCol="0">
-            <a:spAutoFit/>
-          </a:bodyPr>
-          <a:lstStyle/>
-          <a:p>
-            <a:r>
-              <a:rPr lang="pt-BR" sz="1400">
-                <a:solidFill>
-                  <a:schemeClr val="bg1"/>
-                </a:solidFill>
-              </a:rPr>
-              <a:t>Contratações Emergenciais</a:t>
-            </a:r>
-            <a:endParaRPr lang="pt-BR" sz="1400" dirty="0">
-              <a:solidFill>
-                <a:schemeClr val="bg1"/>
-              </a:solidFill>
-            </a:endParaRPr>
-          </a:p>
-        </p:txBody>
-      </p:sp>
       <p:pic>
         <p:nvPicPr>
           <p:cNvPr id="24" name="Imagem 23"/>
@@ -3964,7 +3854,7 @@
           <p:nvPr/>
         </p:nvPicPr>
         <p:blipFill>
-          <a:blip r:embed="rId7"/>
+          <a:blip r:embed="rId4"/>
           <a:stretch>
             <a:fillRect/>
           </a:stretch>
@@ -3979,208 +3869,396 @@
           </a:prstGeom>
         </p:spPr>
       </p:pic>
-      <p:sp>
-        <p:nvSpPr>
-          <p:cNvPr id="23" name="Retângulo 22"/>
-          <p:cNvSpPr/>
+      <p:grpSp>
+        <p:nvGrpSpPr>
+          <p:cNvPr id="7" name="Agrupar 6"/>
+          <p:cNvGrpSpPr/>
           <p:nvPr/>
-        </p:nvSpPr>
-        <p:spPr>
+        </p:nvGrpSpPr>
+        <p:grpSpPr>
           <a:xfrm>
-            <a:off x="4088043" y="2059091"/>
-            <a:ext cx="2053450" cy="523220"/>
+            <a:off x="269587" y="204006"/>
+            <a:ext cx="11697173" cy="6556408"/>
+            <a:chOff x="269587" y="204006"/>
+            <a:chExt cx="11697173" cy="6556408"/>
           </a:xfrm>
-          <a:prstGeom prst="rect">
-            <a:avLst/>
-          </a:prstGeom>
-        </p:spPr>
-        <p:txBody>
-          <a:bodyPr wrap="square">
-            <a:spAutoFit/>
-          </a:bodyPr>
-          <a:lstStyle/>
-          <a:p>
-            <a:pPr algn="ctr"/>
-            <a:r>
-              <a:rPr lang="pt-BR" sz="1400" dirty="0" smtClean="0">
-                <a:solidFill>
-                  <a:schemeClr val="bg1"/>
-                </a:solidFill>
-              </a:rPr>
-              <a:t>Compras e Contratos</a:t>
-            </a:r>
-          </a:p>
-          <a:p>
-            <a:pPr algn="ctr"/>
-            <a:r>
-              <a:rPr lang="pt-BR" sz="1400" dirty="0" smtClean="0">
-                <a:solidFill>
-                  <a:schemeClr val="bg1"/>
-                </a:solidFill>
-              </a:rPr>
-              <a:t>Programa 26 </a:t>
-            </a:r>
-            <a:endParaRPr lang="pt-BR" sz="1400" dirty="0">
-              <a:solidFill>
-                <a:schemeClr val="bg1"/>
-              </a:solidFill>
-            </a:endParaRPr>
-          </a:p>
-        </p:txBody>
-      </p:sp>
-      <p:sp>
-        <p:nvSpPr>
-          <p:cNvPr id="25" name="CaixaDeTexto 24"/>
-          <p:cNvSpPr txBox="1"/>
-          <p:nvPr/>
-        </p:nvSpPr>
-        <p:spPr>
-          <a:xfrm>
-            <a:off x="269587" y="4667533"/>
-            <a:ext cx="11697172" cy="2092881"/>
-          </a:xfrm>
-          <a:prstGeom prst="rect">
-            <a:avLst/>
-          </a:prstGeom>
-          <a:noFill/>
-        </p:spPr>
-        <p:txBody>
-          <a:bodyPr wrap="square" rtlCol="0">
-            <a:spAutoFit/>
-          </a:bodyPr>
-          <a:lstStyle/>
-          <a:p>
-            <a:r>
-              <a:rPr lang="pt-BR" sz="1000" dirty="0" smtClean="0">
+        </p:grpSpPr>
+        <p:pic>
+          <p:nvPicPr>
+            <p:cNvPr id="4" name="Imagem 3"/>
+            <p:cNvPicPr>
+              <a:picLocks noChangeAspect="1"/>
+            </p:cNvPicPr>
+            <p:nvPr/>
+          </p:nvPicPr>
+          <p:blipFill>
+            <a:blip r:embed="rId5"/>
+            <a:stretch>
+              <a:fillRect/>
+            </a:stretch>
+          </p:blipFill>
+          <p:spPr>
+            <a:xfrm>
+              <a:off x="293816" y="204006"/>
+              <a:ext cx="11672944" cy="4463528"/>
+            </a:xfrm>
+            <a:prstGeom prst="rect">
+              <a:avLst/>
+            </a:prstGeom>
+          </p:spPr>
+        </p:pic>
+        <p:pic>
+          <p:nvPicPr>
+            <p:cNvPr id="18" name="Imagem 17"/>
+            <p:cNvPicPr>
+              <a:picLocks noChangeAspect="1"/>
+            </p:cNvPicPr>
+            <p:nvPr/>
+          </p:nvPicPr>
+          <p:blipFill>
+            <a:blip r:embed="rId6"/>
+            <a:stretch>
+              <a:fillRect/>
+            </a:stretch>
+          </p:blipFill>
+          <p:spPr>
+            <a:xfrm>
+              <a:off x="462912" y="902244"/>
+              <a:ext cx="11503847" cy="3765289"/>
+            </a:xfrm>
+            <a:prstGeom prst="rect">
+              <a:avLst/>
+            </a:prstGeom>
+          </p:spPr>
+        </p:pic>
+        <p:sp>
+          <p:nvSpPr>
+            <p:cNvPr id="25" name="CaixaDeTexto 24"/>
+            <p:cNvSpPr txBox="1"/>
+            <p:nvPr/>
+          </p:nvSpPr>
+          <p:spPr>
+            <a:xfrm>
+              <a:off x="269587" y="4667533"/>
+              <a:ext cx="11697172" cy="2092881"/>
+            </a:xfrm>
+            <a:prstGeom prst="rect">
+              <a:avLst/>
+            </a:prstGeom>
+            <a:noFill/>
+          </p:spPr>
+          <p:txBody>
+            <a:bodyPr wrap="square" rtlCol="0">
+              <a:spAutoFit/>
+            </a:bodyPr>
+            <a:lstStyle/>
+            <a:p>
+              <a:r>
+                <a:rPr lang="pt-BR" sz="1000" dirty="0" smtClean="0">
+                  <a:solidFill>
+                    <a:schemeClr val="tx1">
+                      <a:lumMod val="50000"/>
+                      <a:lumOff val="50000"/>
+                    </a:schemeClr>
+                  </a:solidFill>
+                </a:rPr>
+                <a:t>Você está aqui: </a:t>
+              </a:r>
+              <a:r>
+                <a:rPr lang="pt-BR" sz="1000" dirty="0" smtClean="0">
+                  <a:solidFill>
+                    <a:srgbClr val="FF0000"/>
+                  </a:solidFill>
+                </a:rPr>
+                <a:t>Página Inicial </a:t>
+              </a:r>
+              <a:r>
+                <a:rPr lang="pt-BR" sz="1000" dirty="0" smtClean="0">
+                  <a:solidFill>
+                    <a:schemeClr val="tx1">
+                      <a:lumMod val="50000"/>
+                      <a:lumOff val="50000"/>
+                    </a:schemeClr>
+                  </a:solidFill>
+                </a:rPr>
+                <a:t>/ COVID-19</a:t>
+              </a:r>
+            </a:p>
+            <a:p>
+              <a:endParaRPr lang="pt-BR" sz="1000" dirty="0">
                 <a:solidFill>
                   <a:schemeClr val="tx1">
                     <a:lumMod val="50000"/>
                     <a:lumOff val="50000"/>
                   </a:schemeClr>
                 </a:solidFill>
-              </a:rPr>
-              <a:t>Você está aqui: </a:t>
-            </a:r>
-            <a:r>
-              <a:rPr lang="pt-BR" sz="1000" dirty="0" smtClean="0">
-                <a:solidFill>
-                  <a:srgbClr val="FF0000"/>
-                </a:solidFill>
-              </a:rPr>
-              <a:t>Página Inicial </a:t>
-            </a:r>
-            <a:r>
-              <a:rPr lang="pt-BR" sz="1000" dirty="0" smtClean="0">
+              </a:endParaRPr>
+            </a:p>
+            <a:p>
+              <a:r>
+                <a:rPr lang="pt-BR" sz="1000" dirty="0" smtClean="0">
+                  <a:solidFill>
+                    <a:schemeClr val="tx1">
+                      <a:lumMod val="50000"/>
+                      <a:lumOff val="50000"/>
+                    </a:schemeClr>
+                  </a:solidFill>
+                </a:rPr>
+                <a:t>18/05/2020     Última Atualização 18 de Maio 2020</a:t>
+              </a:r>
+            </a:p>
+            <a:p>
+              <a:endParaRPr lang="pt-BR" sz="1000" dirty="0">
                 <a:solidFill>
                   <a:schemeClr val="tx1">
                     <a:lumMod val="50000"/>
                     <a:lumOff val="50000"/>
                   </a:schemeClr>
                 </a:solidFill>
-              </a:rPr>
-              <a:t>/ COVID-19</a:t>
-            </a:r>
-          </a:p>
-          <a:p>
-            <a:endParaRPr lang="pt-BR" sz="1000" dirty="0">
-              <a:solidFill>
-                <a:schemeClr val="tx1">
-                  <a:lumMod val="50000"/>
-                  <a:lumOff val="50000"/>
-                </a:schemeClr>
-              </a:solidFill>
-            </a:endParaRPr>
-          </a:p>
-          <a:p>
-            <a:r>
-              <a:rPr lang="pt-BR" sz="1000" dirty="0" smtClean="0">
+              </a:endParaRPr>
+            </a:p>
+            <a:p>
+              <a:r>
+                <a:rPr lang="pt-BR" sz="1000" dirty="0"/>
+                <a:t>Com foco no fomento da transparência e melhores práticas para atender ao cidadão, o Estado de Minas Gerais disponibiliza sessão específica para facilitar a divulgação de informações relativas aos Contratos Emergenciais amparados pela Lei Federal nº 13.979, de 6 de fevereiro de 2020 e Lei Estadual nº 23.640, de 14 de maio de 2020 para aquisição de bens, serviços, inclusive de engenharia, obras, alienações e locações necessários ao enfrentamento da calamidade de saúde pública e estado de emergência decorrentes da COVID-19</a:t>
+              </a:r>
+              <a:r>
+                <a:rPr lang="pt-BR" sz="1000" dirty="0" smtClean="0"/>
+                <a:t>.</a:t>
+              </a:r>
+            </a:p>
+            <a:p>
+              <a:endParaRPr lang="pt-BR" sz="1000" dirty="0"/>
+            </a:p>
+            <a:p>
+              <a:r>
+                <a:rPr lang="pt-BR" sz="1000" dirty="0" smtClean="0"/>
+                <a:t>Por </a:t>
+              </a:r>
+              <a:r>
+                <a:rPr lang="pt-BR" sz="1000" dirty="0"/>
+                <a:t>meio dessa seção é possível consultar a legislação de referência, os relatórios de execução financeira, dados dos contratados, valores, dentre outras informações, de forma estruturada e em formato </a:t>
+              </a:r>
+              <a:r>
+                <a:rPr lang="pt-BR" sz="1000" dirty="0" smtClean="0"/>
+                <a:t>aberto.</a:t>
+              </a:r>
+            </a:p>
+            <a:p>
+              <a:endParaRPr lang="pt-BR" sz="1000" dirty="0" smtClean="0"/>
+            </a:p>
+            <a:p>
+              <a:r>
+                <a:rPr lang="pt-BR" sz="1000" dirty="0" smtClean="0"/>
+                <a:t>Ao </a:t>
+              </a:r>
+              <a:r>
+                <a:rPr lang="pt-BR" sz="1000" dirty="0"/>
+                <a:t>clicar em Ouvidoria, um canal específico para denúncias, reclamações e sugestões também está disponível ao cidadão</a:t>
+              </a:r>
+              <a:r>
+                <a:rPr lang="pt-BR" sz="1000" dirty="0" smtClean="0"/>
+                <a:t>.</a:t>
+              </a:r>
+            </a:p>
+            <a:p>
+              <a:r>
+                <a:rPr lang="pt-BR" sz="1000" dirty="0" smtClean="0"/>
+                <a:t>E </a:t>
+              </a:r>
+              <a:r>
+                <a:rPr lang="pt-BR" sz="1000" dirty="0"/>
+                <a:t>caso deseje mais informações, solicite por meio do Acesso à Informação</a:t>
+              </a:r>
+              <a:r>
+                <a:rPr lang="pt-BR" sz="1000" dirty="0" smtClean="0"/>
+                <a:t>.</a:t>
+              </a:r>
+            </a:p>
+            <a:p>
+              <a:r>
+                <a:rPr lang="pt-BR" sz="1000" dirty="0" smtClean="0"/>
+                <a:t>.</a:t>
+              </a:r>
+              <a:endParaRPr lang="pt-BR" sz="1000" dirty="0"/>
+            </a:p>
+          </p:txBody>
+        </p:sp>
+        <p:grpSp>
+          <p:nvGrpSpPr>
+            <p:cNvPr id="6" name="Agrupar 5"/>
+            <p:cNvGrpSpPr/>
+            <p:nvPr/>
+          </p:nvGrpSpPr>
+          <p:grpSpPr>
+            <a:xfrm>
+              <a:off x="1858005" y="1223395"/>
+              <a:ext cx="9816683" cy="1410623"/>
+              <a:chOff x="1858005" y="1223395"/>
+              <a:chExt cx="9816683" cy="1410623"/>
+            </a:xfrm>
+          </p:grpSpPr>
+          <p:pic>
+            <p:nvPicPr>
+              <p:cNvPr id="20" name="Imagem 19"/>
+              <p:cNvPicPr>
+                <a:picLocks noChangeAspect="1"/>
+              </p:cNvPicPr>
+              <p:nvPr/>
+            </p:nvPicPr>
+            <p:blipFill>
+              <a:blip r:embed="rId7"/>
+              <a:stretch>
+                <a:fillRect/>
+              </a:stretch>
+            </p:blipFill>
+            <p:spPr>
+              <a:xfrm>
+                <a:off x="4189490" y="1223395"/>
+                <a:ext cx="7485198" cy="1410623"/>
+              </a:xfrm>
+              <a:prstGeom prst="rect">
+                <a:avLst/>
+              </a:prstGeom>
+            </p:spPr>
+          </p:pic>
+          <p:pic>
+            <p:nvPicPr>
+              <p:cNvPr id="3" name="Imagem 2"/>
+              <p:cNvPicPr>
+                <a:picLocks noChangeAspect="1"/>
+              </p:cNvPicPr>
+              <p:nvPr/>
+            </p:nvPicPr>
+            <p:blipFill>
+              <a:blip r:embed="rId8"/>
+              <a:stretch>
+                <a:fillRect/>
+              </a:stretch>
+            </p:blipFill>
+            <p:spPr>
+              <a:xfrm>
+                <a:off x="1858005" y="2033333"/>
+                <a:ext cx="1209675" cy="180975"/>
+              </a:xfrm>
+              <a:prstGeom prst="rect">
+                <a:avLst/>
+              </a:prstGeom>
+            </p:spPr>
+          </p:pic>
+          <p:pic>
+            <p:nvPicPr>
+              <p:cNvPr id="5" name="Imagem 4"/>
+              <p:cNvPicPr>
+                <a:picLocks noChangeAspect="1"/>
+              </p:cNvPicPr>
+              <p:nvPr/>
+            </p:nvPicPr>
+            <p:blipFill>
+              <a:blip r:embed="rId8"/>
+              <a:stretch>
+                <a:fillRect/>
+              </a:stretch>
+            </p:blipFill>
+            <p:spPr>
+              <a:xfrm>
+                <a:off x="4480282" y="2141408"/>
+                <a:ext cx="1209675" cy="180975"/>
+              </a:xfrm>
+              <a:prstGeom prst="rect">
+                <a:avLst/>
+              </a:prstGeom>
+            </p:spPr>
+          </p:pic>
+        </p:grpSp>
+        <p:sp>
+          <p:nvSpPr>
+            <p:cNvPr id="21" name="CaixaDeTexto 20"/>
+            <p:cNvSpPr txBox="1"/>
+            <p:nvPr/>
+          </p:nvSpPr>
+          <p:spPr>
+            <a:xfrm>
+              <a:off x="1294118" y="1967648"/>
+              <a:ext cx="2237100" cy="307777"/>
+            </a:xfrm>
+            <a:prstGeom prst="rect">
+              <a:avLst/>
+            </a:prstGeom>
+            <a:noFill/>
+          </p:spPr>
+          <p:txBody>
+            <a:bodyPr wrap="square" rtlCol="0">
+              <a:spAutoFit/>
+            </a:bodyPr>
+            <a:lstStyle/>
+            <a:p>
+              <a:r>
+                <a:rPr lang="pt-BR" sz="1400" dirty="0">
+                  <a:solidFill>
+                    <a:schemeClr val="bg1"/>
+                  </a:solidFill>
+                </a:rPr>
+                <a:t>Contratações Emergenciais</a:t>
+              </a:r>
+            </a:p>
+          </p:txBody>
+        </p:sp>
+        <p:sp>
+          <p:nvSpPr>
+            <p:cNvPr id="23" name="Retângulo 22"/>
+            <p:cNvSpPr/>
+            <p:nvPr/>
+          </p:nvSpPr>
+          <p:spPr>
+            <a:xfrm>
+              <a:off x="3885653" y="1948400"/>
+              <a:ext cx="2221317" cy="523220"/>
+            </a:xfrm>
+            <a:prstGeom prst="rect">
+              <a:avLst/>
+            </a:prstGeom>
+          </p:spPr>
+          <p:txBody>
+            <a:bodyPr wrap="square">
+              <a:spAutoFit/>
+            </a:bodyPr>
+            <a:lstStyle/>
+            <a:p>
+              <a:pPr algn="ctr"/>
+              <a:r>
+                <a:rPr lang="pt-BR" sz="1400" dirty="0" smtClean="0">
+                  <a:solidFill>
+                    <a:schemeClr val="bg1"/>
+                  </a:solidFill>
+                </a:rPr>
+                <a:t>Contratações executadas no</a:t>
+              </a:r>
+              <a:endParaRPr lang="pt-BR" sz="1400" dirty="0" smtClean="0">
                 <a:solidFill>
-                  <a:schemeClr val="tx1">
-                    <a:lumMod val="50000"/>
-                    <a:lumOff val="50000"/>
-                  </a:schemeClr>
+                  <a:schemeClr val="bg1"/>
                 </a:solidFill>
-              </a:rPr>
-              <a:t>18/05/2020     Última Atualização 18 de Maio 2020</a:t>
-            </a:r>
-          </a:p>
-          <a:p>
-            <a:endParaRPr lang="pt-BR" sz="1000" dirty="0">
-              <a:solidFill>
-                <a:schemeClr val="tx1">
-                  <a:lumMod val="50000"/>
-                  <a:lumOff val="50000"/>
-                </a:schemeClr>
-              </a:solidFill>
-            </a:endParaRPr>
-          </a:p>
-          <a:p>
-            <a:r>
-              <a:rPr lang="pt-BR" sz="1000" dirty="0"/>
-              <a:t>Com foco no fomento da transparência e melhores práticas para atender ao cidadão, o Estado de Minas Gerais disponibiliza sessão específica para facilitar a divulgação de informações relativas aos Contratos Emergenciais amparados pela Lei Federal nº 13.979, de 6 de fevereiro de 2020 e Lei Estadual nº 23.640, de 14 de maio de 2020 para aquisição de bens, serviços, inclusive de engenharia, obras, alienações e locações necessários ao enfrentamento da calamidade de saúde pública e estado de emergência decorrentes da COVID-19</a:t>
-            </a:r>
-            <a:r>
-              <a:rPr lang="pt-BR" sz="1000" dirty="0" smtClean="0"/>
-              <a:t>.</a:t>
-            </a:r>
-          </a:p>
-          <a:p>
-            <a:endParaRPr lang="pt-BR" sz="1000" dirty="0"/>
-          </a:p>
-          <a:p>
-            <a:r>
-              <a:rPr lang="pt-BR" sz="1000" dirty="0" smtClean="0"/>
-              <a:t>Por </a:t>
-            </a:r>
-            <a:r>
-              <a:rPr lang="pt-BR" sz="1000" dirty="0"/>
-              <a:t>meio dessa seção é possível consultar a legislação de referência, os relatórios de execução financeira, dados dos contratados, valores, dentre outras informações, de forma estruturada e em formato </a:t>
-            </a:r>
-            <a:r>
-              <a:rPr lang="pt-BR" sz="1000" dirty="0" smtClean="0"/>
-              <a:t>aberto.</a:t>
-            </a:r>
-          </a:p>
-          <a:p>
-            <a:endParaRPr lang="pt-BR" sz="1000" dirty="0" smtClean="0"/>
-          </a:p>
-          <a:p>
-            <a:r>
-              <a:rPr lang="pt-BR" sz="1000" dirty="0" smtClean="0"/>
-              <a:t>Ao </a:t>
-            </a:r>
-            <a:r>
-              <a:rPr lang="pt-BR" sz="1000" dirty="0"/>
-              <a:t>clicar em Ouvidoria, um canal específico para denúncias, reclamações e sugestões também está disponível ao cidadão</a:t>
-            </a:r>
-            <a:r>
-              <a:rPr lang="pt-BR" sz="1000" dirty="0" smtClean="0"/>
-              <a:t>.</a:t>
-            </a:r>
-          </a:p>
-          <a:p>
-            <a:r>
-              <a:rPr lang="pt-BR" sz="1000" dirty="0" smtClean="0"/>
-              <a:t>E </a:t>
-            </a:r>
-            <a:r>
-              <a:rPr lang="pt-BR" sz="1000" dirty="0"/>
-              <a:t>caso deseje mais informações, solicite por meio do Acesso à Informação</a:t>
-            </a:r>
-            <a:r>
-              <a:rPr lang="pt-BR" sz="1000" dirty="0" smtClean="0"/>
-              <a:t>.</a:t>
-            </a:r>
-          </a:p>
-          <a:p>
-            <a:r>
-              <a:rPr lang="pt-BR" sz="1000" dirty="0" smtClean="0"/>
-              <a:t>.</a:t>
-            </a:r>
-            <a:endParaRPr lang="pt-BR" sz="1000" dirty="0"/>
-          </a:p>
-        </p:txBody>
-      </p:sp>
+              </a:endParaRPr>
+            </a:p>
+            <a:p>
+              <a:pPr algn="ctr"/>
+              <a:r>
+                <a:rPr lang="pt-BR" sz="1400" dirty="0" smtClean="0">
+                  <a:solidFill>
+                    <a:schemeClr val="bg1"/>
+                  </a:solidFill>
+                </a:rPr>
+                <a:t>Programa 26 </a:t>
+              </a:r>
+              <a:endParaRPr lang="pt-BR" sz="1400" dirty="0">
+                <a:solidFill>
+                  <a:schemeClr val="bg1"/>
+                </a:solidFill>
+              </a:endParaRPr>
+            </a:p>
+          </p:txBody>
+        </p:sp>
+      </p:grpSp>
     </p:spTree>
     <p:extLst>
       <p:ext uri="{BB962C8B-B14F-4D97-AF65-F5344CB8AC3E}">

--- a/static/pagina-inicial-espec-covid19.pptx
+++ b/static/pagina-inicial-espec-covid19.pptx
@@ -4213,7 +4213,7 @@
           <p:spPr>
             <a:xfrm>
               <a:off x="3885653" y="1948400"/>
-              <a:ext cx="2221317" cy="523220"/>
+              <a:ext cx="2221317" cy="954107"/>
             </a:xfrm>
             <a:prstGeom prst="rect">
               <a:avLst/>
@@ -4234,11 +4234,6 @@
                 </a:rPr>
                 <a:t>Contratações executadas no</a:t>
               </a:r>
-              <a:endParaRPr lang="pt-BR" sz="1400" dirty="0" smtClean="0">
-                <a:solidFill>
-                  <a:schemeClr val="bg1"/>
-                </a:solidFill>
-              </a:endParaRPr>
             </a:p>
             <a:p>
               <a:pPr algn="ctr"/>
@@ -4248,7 +4243,31 @@
                     <a:schemeClr val="bg1"/>
                   </a:solidFill>
                 </a:rPr>
-                <a:t>Programa 26 </a:t>
+                <a:t>Programa </a:t>
+              </a:r>
+              <a:r>
+                <a:rPr lang="pt-BR" sz="1400" dirty="0" smtClean="0">
+                  <a:solidFill>
+                    <a:schemeClr val="bg1"/>
+                  </a:solidFill>
+                </a:rPr>
+                <a:t>Enfrentamento </a:t>
+              </a:r>
+              <a:r>
+                <a:rPr lang="pt-BR" sz="1400" dirty="0">
+                  <a:solidFill>
+                    <a:schemeClr val="bg1"/>
+                  </a:solidFill>
+                </a:rPr>
+                <a:t>dos Efeitos da Pandemia de COVID-19</a:t>
+              </a:r>
+              <a:r>
+                <a:rPr lang="pt-BR" sz="1400" dirty="0" smtClean="0">
+                  <a:solidFill>
+                    <a:schemeClr val="bg1"/>
+                  </a:solidFill>
+                </a:rPr>
+                <a:t> </a:t>
               </a:r>
               <a:endParaRPr lang="pt-BR" sz="1400" dirty="0">
                 <a:solidFill>

--- a/static/pagina-inicial-espec-covid19.pptx
+++ b/static/pagina-inicial-espec-covid19.pptx
@@ -9,6 +9,8 @@
     <p:sldId id="258" r:id="rId3"/>
     <p:sldId id="260" r:id="rId4"/>
     <p:sldId id="259" r:id="rId5"/>
+    <p:sldId id="261" r:id="rId6"/>
+    <p:sldId id="262" r:id="rId7"/>
   </p:sldIdLst>
   <p:sldSz cx="12192000" cy="6858000"/>
   <p:notesSz cx="6858000" cy="9144000"/>
@@ -272,7 +274,7 @@
           <a:p>
             <a:fld id="{0DAC32FC-DBAC-4007-937A-15B4E69A3744}" type="datetimeFigureOut">
               <a:rPr lang="pt-BR" smtClean="0"/>
-              <a:t>27/05/2020</a:t>
+              <a:t>04/06/2020</a:t>
             </a:fld>
             <a:endParaRPr lang="pt-BR"/>
           </a:p>
@@ -442,7 +444,7 @@
           <a:p>
             <a:fld id="{0DAC32FC-DBAC-4007-937A-15B4E69A3744}" type="datetimeFigureOut">
               <a:rPr lang="pt-BR" smtClean="0"/>
-              <a:t>27/05/2020</a:t>
+              <a:t>04/06/2020</a:t>
             </a:fld>
             <a:endParaRPr lang="pt-BR"/>
           </a:p>
@@ -622,7 +624,7 @@
           <a:p>
             <a:fld id="{0DAC32FC-DBAC-4007-937A-15B4E69A3744}" type="datetimeFigureOut">
               <a:rPr lang="pt-BR" smtClean="0"/>
-              <a:t>27/05/2020</a:t>
+              <a:t>04/06/2020</a:t>
             </a:fld>
             <a:endParaRPr lang="pt-BR"/>
           </a:p>
@@ -792,7 +794,7 @@
           <a:p>
             <a:fld id="{0DAC32FC-DBAC-4007-937A-15B4E69A3744}" type="datetimeFigureOut">
               <a:rPr lang="pt-BR" smtClean="0"/>
-              <a:t>27/05/2020</a:t>
+              <a:t>04/06/2020</a:t>
             </a:fld>
             <a:endParaRPr lang="pt-BR"/>
           </a:p>
@@ -1038,7 +1040,7 @@
           <a:p>
             <a:fld id="{0DAC32FC-DBAC-4007-937A-15B4E69A3744}" type="datetimeFigureOut">
               <a:rPr lang="pt-BR" smtClean="0"/>
-              <a:t>27/05/2020</a:t>
+              <a:t>04/06/2020</a:t>
             </a:fld>
             <a:endParaRPr lang="pt-BR"/>
           </a:p>
@@ -1270,7 +1272,7 @@
           <a:p>
             <a:fld id="{0DAC32FC-DBAC-4007-937A-15B4E69A3744}" type="datetimeFigureOut">
               <a:rPr lang="pt-BR" smtClean="0"/>
-              <a:t>27/05/2020</a:t>
+              <a:t>04/06/2020</a:t>
             </a:fld>
             <a:endParaRPr lang="pt-BR"/>
           </a:p>
@@ -1637,7 +1639,7 @@
           <a:p>
             <a:fld id="{0DAC32FC-DBAC-4007-937A-15B4E69A3744}" type="datetimeFigureOut">
               <a:rPr lang="pt-BR" smtClean="0"/>
-              <a:t>27/05/2020</a:t>
+              <a:t>04/06/2020</a:t>
             </a:fld>
             <a:endParaRPr lang="pt-BR"/>
           </a:p>
@@ -1755,7 +1757,7 @@
           <a:p>
             <a:fld id="{0DAC32FC-DBAC-4007-937A-15B4E69A3744}" type="datetimeFigureOut">
               <a:rPr lang="pt-BR" smtClean="0"/>
-              <a:t>27/05/2020</a:t>
+              <a:t>04/06/2020</a:t>
             </a:fld>
             <a:endParaRPr lang="pt-BR"/>
           </a:p>
@@ -1850,7 +1852,7 @@
           <a:p>
             <a:fld id="{0DAC32FC-DBAC-4007-937A-15B4E69A3744}" type="datetimeFigureOut">
               <a:rPr lang="pt-BR" smtClean="0"/>
-              <a:t>27/05/2020</a:t>
+              <a:t>04/06/2020</a:t>
             </a:fld>
             <a:endParaRPr lang="pt-BR"/>
           </a:p>
@@ -2127,7 +2129,7 @@
           <a:p>
             <a:fld id="{0DAC32FC-DBAC-4007-937A-15B4E69A3744}" type="datetimeFigureOut">
               <a:rPr lang="pt-BR" smtClean="0"/>
-              <a:t>27/05/2020</a:t>
+              <a:t>04/06/2020</a:t>
             </a:fld>
             <a:endParaRPr lang="pt-BR"/>
           </a:p>
@@ -2380,7 +2382,7 @@
           <a:p>
             <a:fld id="{0DAC32FC-DBAC-4007-937A-15B4E69A3744}" type="datetimeFigureOut">
               <a:rPr lang="pt-BR" smtClean="0"/>
-              <a:t>27/05/2020</a:t>
+              <a:t>04/06/2020</a:t>
             </a:fld>
             <a:endParaRPr lang="pt-BR"/>
           </a:p>
@@ -2593,7 +2595,7 @@
           <a:p>
             <a:fld id="{0DAC32FC-DBAC-4007-937A-15B4E69A3744}" type="datetimeFigureOut">
               <a:rPr lang="pt-BR" smtClean="0"/>
-              <a:t>27/05/2020</a:t>
+              <a:t>04/06/2020</a:t>
             </a:fld>
             <a:endParaRPr lang="pt-BR"/>
           </a:p>
@@ -4243,15 +4245,7 @@
                     <a:schemeClr val="bg1"/>
                   </a:solidFill>
                 </a:rPr>
-                <a:t>Programa </a:t>
-              </a:r>
-              <a:r>
-                <a:rPr lang="pt-BR" sz="1400" dirty="0" smtClean="0">
-                  <a:solidFill>
-                    <a:schemeClr val="bg1"/>
-                  </a:solidFill>
-                </a:rPr>
-                <a:t>Enfrentamento </a:t>
+                <a:t>Programa Enfrentamento </a:t>
               </a:r>
               <a:r>
                 <a:rPr lang="pt-BR" sz="1400" dirty="0">
@@ -4595,6 +4589,306 @@
 </p:sld>
 </file>
 
+<file path=ppt/slides/slide5.xml><?xml version="1.0" encoding="utf-8"?>
+<p:sld xmlns:a="http://schemas.openxmlformats.org/drawingml/2006/main" xmlns:r="http://schemas.openxmlformats.org/officeDocument/2006/relationships" xmlns:p="http://schemas.openxmlformats.org/presentationml/2006/main">
+  <p:cSld>
+    <p:spTree>
+      <p:nvGrpSpPr>
+        <p:cNvPr id="1" name=""/>
+        <p:cNvGrpSpPr/>
+        <p:nvPr/>
+      </p:nvGrpSpPr>
+      <p:grpSpPr>
+        <a:xfrm>
+          <a:off x="0" y="0"/>
+          <a:ext cx="0" cy="0"/>
+          <a:chOff x="0" y="0"/>
+          <a:chExt cx="0" cy="0"/>
+        </a:xfrm>
+      </p:grpSpPr>
+      <p:grpSp>
+        <p:nvGrpSpPr>
+          <p:cNvPr id="11" name="Agrupar 10"/>
+          <p:cNvGrpSpPr/>
+          <p:nvPr/>
+        </p:nvGrpSpPr>
+        <p:grpSpPr>
+          <a:xfrm>
+            <a:off x="681353" y="378823"/>
+            <a:ext cx="10941869" cy="5734594"/>
+            <a:chOff x="681353" y="378823"/>
+            <a:chExt cx="10941869" cy="5734594"/>
+          </a:xfrm>
+        </p:grpSpPr>
+        <p:pic>
+          <p:nvPicPr>
+            <p:cNvPr id="4" name="Imagem 3"/>
+            <p:cNvPicPr>
+              <a:picLocks noChangeAspect="1"/>
+            </p:cNvPicPr>
+            <p:nvPr/>
+          </p:nvPicPr>
+          <p:blipFill>
+            <a:blip r:embed="rId2"/>
+            <a:stretch>
+              <a:fillRect/>
+            </a:stretch>
+          </p:blipFill>
+          <p:spPr>
+            <a:xfrm>
+              <a:off x="681353" y="378823"/>
+              <a:ext cx="10941869" cy="5734594"/>
+            </a:xfrm>
+            <a:prstGeom prst="rect">
+              <a:avLst/>
+            </a:prstGeom>
+          </p:spPr>
+        </p:pic>
+        <p:grpSp>
+          <p:nvGrpSpPr>
+            <p:cNvPr id="10" name="Agrupar 9"/>
+            <p:cNvGrpSpPr/>
+            <p:nvPr/>
+          </p:nvGrpSpPr>
+          <p:grpSpPr>
+            <a:xfrm>
+              <a:off x="1981698" y="1327831"/>
+              <a:ext cx="5463812" cy="4222803"/>
+              <a:chOff x="1981698" y="1327831"/>
+              <a:chExt cx="5463812" cy="4222803"/>
+            </a:xfrm>
+          </p:grpSpPr>
+          <p:sp>
+            <p:nvSpPr>
+              <p:cNvPr id="6" name="CaixaDeTexto 5"/>
+              <p:cNvSpPr txBox="1"/>
+              <p:nvPr/>
+            </p:nvSpPr>
+            <p:spPr>
+              <a:xfrm>
+                <a:off x="5068070" y="5212080"/>
+                <a:ext cx="2377440" cy="338554"/>
+              </a:xfrm>
+              <a:prstGeom prst="rect">
+                <a:avLst/>
+              </a:prstGeom>
+              <a:noFill/>
+            </p:spPr>
+            <p:txBody>
+              <a:bodyPr wrap="square" rtlCol="0">
+                <a:spAutoFit/>
+              </a:bodyPr>
+              <a:lstStyle/>
+              <a:p>
+                <a:r>
+                  <a:rPr lang="pt-BR" sz="1600" dirty="0">
+                    <a:solidFill>
+                      <a:schemeClr val="bg1"/>
+                    </a:solidFill>
+                  </a:rPr>
+                  <a:t>Dados epidemiológicos</a:t>
+                </a:r>
+              </a:p>
+            </p:txBody>
+          </p:sp>
+          <p:pic>
+            <p:nvPicPr>
+              <p:cNvPr id="5" name="Imagem 4"/>
+              <p:cNvPicPr/>
+              <p:nvPr/>
+            </p:nvPicPr>
+            <p:blipFill>
+              <a:blip r:embed="rId3">
+                <a:extLst>
+                  <a:ext uri="{28A0092B-C50C-407E-A947-70E740481C1C}">
+                    <a14:useLocalDpi xmlns:a14="http://schemas.microsoft.com/office/drawing/2010/main" val="0"/>
+                  </a:ext>
+                </a:extLst>
+              </a:blip>
+              <a:stretch>
+                <a:fillRect/>
+              </a:stretch>
+            </p:blipFill>
+            <p:spPr>
+              <a:xfrm>
+                <a:off x="1981698" y="1327831"/>
+                <a:ext cx="1036320" cy="753745"/>
+              </a:xfrm>
+              <a:prstGeom prst="rect">
+                <a:avLst/>
+              </a:prstGeom>
+            </p:spPr>
+          </p:pic>
+          <p:pic>
+            <p:nvPicPr>
+              <p:cNvPr id="7" name="Imagem 6"/>
+              <p:cNvPicPr/>
+              <p:nvPr/>
+            </p:nvPicPr>
+            <p:blipFill>
+              <a:blip r:embed="rId4">
+                <a:extLst>
+                  <a:ext uri="{28A0092B-C50C-407E-A947-70E740481C1C}">
+                    <a14:useLocalDpi xmlns:a14="http://schemas.microsoft.com/office/drawing/2010/main" val="0"/>
+                  </a:ext>
+                </a:extLst>
+              </a:blip>
+              <a:stretch>
+                <a:fillRect/>
+              </a:stretch>
+            </p:blipFill>
+            <p:spPr>
+              <a:xfrm>
+                <a:off x="5291795" y="1348151"/>
+                <a:ext cx="1352550" cy="733425"/>
+              </a:xfrm>
+              <a:prstGeom prst="rect">
+                <a:avLst/>
+              </a:prstGeom>
+            </p:spPr>
+          </p:pic>
+          <p:pic>
+            <p:nvPicPr>
+              <p:cNvPr id="8" name="Imagem 7"/>
+              <p:cNvPicPr/>
+              <p:nvPr/>
+            </p:nvPicPr>
+            <p:blipFill>
+              <a:blip r:embed="rId5">
+                <a:extLst>
+                  <a:ext uri="{28A0092B-C50C-407E-A947-70E740481C1C}">
+                    <a14:useLocalDpi xmlns:a14="http://schemas.microsoft.com/office/drawing/2010/main" val="0"/>
+                  </a:ext>
+                </a:extLst>
+              </a:blip>
+              <a:stretch>
+                <a:fillRect/>
+              </a:stretch>
+            </p:blipFill>
+            <p:spPr>
+              <a:xfrm>
+                <a:off x="5486536" y="3015184"/>
+                <a:ext cx="1114425" cy="638175"/>
+              </a:xfrm>
+              <a:prstGeom prst="rect">
+                <a:avLst/>
+              </a:prstGeom>
+            </p:spPr>
+          </p:pic>
+          <p:pic>
+            <p:nvPicPr>
+              <p:cNvPr id="9" name="Imagem 8"/>
+              <p:cNvPicPr/>
+              <p:nvPr/>
+            </p:nvPicPr>
+            <p:blipFill>
+              <a:blip r:embed="rId6">
+                <a:extLst>
+                  <a:ext uri="{28A0092B-C50C-407E-A947-70E740481C1C}">
+                    <a14:useLocalDpi xmlns:a14="http://schemas.microsoft.com/office/drawing/2010/main" val="0"/>
+                  </a:ext>
+                </a:extLst>
+              </a:blip>
+              <a:stretch>
+                <a:fillRect/>
+              </a:stretch>
+            </p:blipFill>
+            <p:spPr>
+              <a:xfrm>
+                <a:off x="5486536" y="4600288"/>
+                <a:ext cx="1295400" cy="647700"/>
+              </a:xfrm>
+              <a:prstGeom prst="rect">
+                <a:avLst/>
+              </a:prstGeom>
+            </p:spPr>
+          </p:pic>
+        </p:grpSp>
+      </p:grpSp>
+    </p:spTree>
+    <p:extLst>
+      <p:ext uri="{BB962C8B-B14F-4D97-AF65-F5344CB8AC3E}">
+        <p14:creationId xmlns:p14="http://schemas.microsoft.com/office/powerpoint/2010/main" val="3494654406"/>
+      </p:ext>
+    </p:extLst>
+  </p:cSld>
+  <p:clrMapOvr>
+    <a:masterClrMapping/>
+  </p:clrMapOvr>
+</p:sld>
+</file>
+
+<file path=ppt/slides/slide6.xml><?xml version="1.0" encoding="utf-8"?>
+<p:sld xmlns:a="http://schemas.openxmlformats.org/drawingml/2006/main" xmlns:r="http://schemas.openxmlformats.org/officeDocument/2006/relationships" xmlns:p="http://schemas.openxmlformats.org/presentationml/2006/main">
+  <p:cSld>
+    <p:spTree>
+      <p:nvGrpSpPr>
+        <p:cNvPr id="1" name=""/>
+        <p:cNvGrpSpPr/>
+        <p:nvPr/>
+      </p:nvGrpSpPr>
+      <p:grpSpPr>
+        <a:xfrm>
+          <a:off x="0" y="0"/>
+          <a:ext cx="0" cy="0"/>
+          <a:chOff x="0" y="0"/>
+          <a:chExt cx="0" cy="0"/>
+        </a:xfrm>
+      </p:grpSpPr>
+      <p:sp>
+        <p:nvSpPr>
+          <p:cNvPr id="2" name="Título 1"/>
+          <p:cNvSpPr>
+            <a:spLocks noGrp="1"/>
+          </p:cNvSpPr>
+          <p:nvPr>
+            <p:ph type="title"/>
+          </p:nvPr>
+        </p:nvSpPr>
+        <p:spPr/>
+        <p:txBody>
+          <a:bodyPr/>
+          <a:lstStyle/>
+          <a:p>
+            <a:r>
+              <a:rPr lang="pt-BR" dirty="0"/>
+              <a:t>Dados epidemiológicos</a:t>
+            </a:r>
+          </a:p>
+        </p:txBody>
+      </p:sp>
+      <p:sp>
+        <p:nvSpPr>
+          <p:cNvPr id="3" name="Espaço Reservado para Conteúdo 2"/>
+          <p:cNvSpPr>
+            <a:spLocks noGrp="1"/>
+          </p:cNvSpPr>
+          <p:nvPr>
+            <p:ph idx="1"/>
+          </p:nvPr>
+        </p:nvSpPr>
+        <p:spPr/>
+        <p:txBody>
+          <a:bodyPr/>
+          <a:lstStyle/>
+          <a:p>
+            <a:endParaRPr lang="pt-BR"/>
+          </a:p>
+        </p:txBody>
+      </p:sp>
+    </p:spTree>
+    <p:extLst>
+      <p:ext uri="{BB962C8B-B14F-4D97-AF65-F5344CB8AC3E}">
+        <p14:creationId xmlns:p14="http://schemas.microsoft.com/office/powerpoint/2010/main" val="801519553"/>
+      </p:ext>
+    </p:extLst>
+  </p:cSld>
+  <p:clrMapOvr>
+    <a:masterClrMapping/>
+  </p:clrMapOvr>
+</p:sld>
+</file>
+
 <file path=ppt/theme/theme1.xml><?xml version="1.0" encoding="utf-8"?>
 <a:theme xmlns:a="http://schemas.openxmlformats.org/drawingml/2006/main" name="Tema do Office">
   <a:themeElements>

--- a/static/pagina-inicial-espec-covid19.pptx
+++ b/static/pagina-inicial-espec-covid19.pptx
@@ -5,12 +5,13 @@
     <p:sldMasterId id="2147483648" r:id="rId1"/>
   </p:sldMasterIdLst>
   <p:sldIdLst>
-    <p:sldId id="256" r:id="rId2"/>
-    <p:sldId id="258" r:id="rId3"/>
-    <p:sldId id="260" r:id="rId4"/>
-    <p:sldId id="259" r:id="rId5"/>
-    <p:sldId id="261" r:id="rId6"/>
-    <p:sldId id="262" r:id="rId7"/>
+    <p:sldId id="258" r:id="rId2"/>
+    <p:sldId id="260" r:id="rId3"/>
+    <p:sldId id="259" r:id="rId4"/>
+    <p:sldId id="261" r:id="rId5"/>
+    <p:sldId id="262" r:id="rId6"/>
+    <p:sldId id="263" r:id="rId7"/>
+    <p:sldId id="264" r:id="rId8"/>
   </p:sldIdLst>
   <p:sldSz cx="12192000" cy="6858000"/>
   <p:notesSz cx="6858000" cy="9144000"/>
@@ -274,7 +275,7 @@
           <a:p>
             <a:fld id="{0DAC32FC-DBAC-4007-937A-15B4E69A3744}" type="datetimeFigureOut">
               <a:rPr lang="pt-BR" smtClean="0"/>
-              <a:t>04/06/2020</a:t>
+              <a:t>15/07/2020</a:t>
             </a:fld>
             <a:endParaRPr lang="pt-BR"/>
           </a:p>
@@ -444,7 +445,7 @@
           <a:p>
             <a:fld id="{0DAC32FC-DBAC-4007-937A-15B4E69A3744}" type="datetimeFigureOut">
               <a:rPr lang="pt-BR" smtClean="0"/>
-              <a:t>04/06/2020</a:t>
+              <a:t>15/07/2020</a:t>
             </a:fld>
             <a:endParaRPr lang="pt-BR"/>
           </a:p>
@@ -624,7 +625,7 @@
           <a:p>
             <a:fld id="{0DAC32FC-DBAC-4007-937A-15B4E69A3744}" type="datetimeFigureOut">
               <a:rPr lang="pt-BR" smtClean="0"/>
-              <a:t>04/06/2020</a:t>
+              <a:t>15/07/2020</a:t>
             </a:fld>
             <a:endParaRPr lang="pt-BR"/>
           </a:p>
@@ -794,7 +795,7 @@
           <a:p>
             <a:fld id="{0DAC32FC-DBAC-4007-937A-15B4E69A3744}" type="datetimeFigureOut">
               <a:rPr lang="pt-BR" smtClean="0"/>
-              <a:t>04/06/2020</a:t>
+              <a:t>15/07/2020</a:t>
             </a:fld>
             <a:endParaRPr lang="pt-BR"/>
           </a:p>
@@ -1040,7 +1041,7 @@
           <a:p>
             <a:fld id="{0DAC32FC-DBAC-4007-937A-15B4E69A3744}" type="datetimeFigureOut">
               <a:rPr lang="pt-BR" smtClean="0"/>
-              <a:t>04/06/2020</a:t>
+              <a:t>15/07/2020</a:t>
             </a:fld>
             <a:endParaRPr lang="pt-BR"/>
           </a:p>
@@ -1272,7 +1273,7 @@
           <a:p>
             <a:fld id="{0DAC32FC-DBAC-4007-937A-15B4E69A3744}" type="datetimeFigureOut">
               <a:rPr lang="pt-BR" smtClean="0"/>
-              <a:t>04/06/2020</a:t>
+              <a:t>15/07/2020</a:t>
             </a:fld>
             <a:endParaRPr lang="pt-BR"/>
           </a:p>
@@ -1639,7 +1640,7 @@
           <a:p>
             <a:fld id="{0DAC32FC-DBAC-4007-937A-15B4E69A3744}" type="datetimeFigureOut">
               <a:rPr lang="pt-BR" smtClean="0"/>
-              <a:t>04/06/2020</a:t>
+              <a:t>15/07/2020</a:t>
             </a:fld>
             <a:endParaRPr lang="pt-BR"/>
           </a:p>
@@ -1757,7 +1758,7 @@
           <a:p>
             <a:fld id="{0DAC32FC-DBAC-4007-937A-15B4E69A3744}" type="datetimeFigureOut">
               <a:rPr lang="pt-BR" smtClean="0"/>
-              <a:t>04/06/2020</a:t>
+              <a:t>15/07/2020</a:t>
             </a:fld>
             <a:endParaRPr lang="pt-BR"/>
           </a:p>
@@ -1852,7 +1853,7 @@
           <a:p>
             <a:fld id="{0DAC32FC-DBAC-4007-937A-15B4E69A3744}" type="datetimeFigureOut">
               <a:rPr lang="pt-BR" smtClean="0"/>
-              <a:t>04/06/2020</a:t>
+              <a:t>15/07/2020</a:t>
             </a:fld>
             <a:endParaRPr lang="pt-BR"/>
           </a:p>
@@ -2129,7 +2130,7 @@
           <a:p>
             <a:fld id="{0DAC32FC-DBAC-4007-937A-15B4E69A3744}" type="datetimeFigureOut">
               <a:rPr lang="pt-BR" smtClean="0"/>
-              <a:t>04/06/2020</a:t>
+              <a:t>15/07/2020</a:t>
             </a:fld>
             <a:endParaRPr lang="pt-BR"/>
           </a:p>
@@ -2382,7 +2383,7 @@
           <a:p>
             <a:fld id="{0DAC32FC-DBAC-4007-937A-15B4E69A3744}" type="datetimeFigureOut">
               <a:rPr lang="pt-BR" smtClean="0"/>
-              <a:t>04/06/2020</a:t>
+              <a:t>15/07/2020</a:t>
             </a:fld>
             <a:endParaRPr lang="pt-BR"/>
           </a:p>
@@ -2595,7 +2596,7 @@
           <a:p>
             <a:fld id="{0DAC32FC-DBAC-4007-937A-15B4E69A3744}" type="datetimeFigureOut">
               <a:rPr lang="pt-BR" smtClean="0"/>
-              <a:t>04/06/2020</a:t>
+              <a:t>15/07/2020</a:t>
             </a:fld>
             <a:endParaRPr lang="pt-BR"/>
           </a:p>
@@ -3002,483 +3003,6 @@
       </p:grpSpPr>
       <p:grpSp>
         <p:nvGrpSpPr>
-          <p:cNvPr id="15" name="Agrupar 14"/>
-          <p:cNvGrpSpPr/>
-          <p:nvPr/>
-        </p:nvGrpSpPr>
-        <p:grpSpPr>
-          <a:xfrm>
-            <a:off x="770709" y="179912"/>
-            <a:ext cx="10116457" cy="6207826"/>
-            <a:chOff x="770709" y="179912"/>
-            <a:chExt cx="10116457" cy="6207826"/>
-          </a:xfrm>
-        </p:grpSpPr>
-        <p:pic>
-          <p:nvPicPr>
-            <p:cNvPr id="4" name="Imagem 3"/>
-            <p:cNvPicPr>
-              <a:picLocks noChangeAspect="1"/>
-            </p:cNvPicPr>
-            <p:nvPr/>
-          </p:nvPicPr>
-          <p:blipFill>
-            <a:blip r:embed="rId2"/>
-            <a:stretch>
-              <a:fillRect/>
-            </a:stretch>
-          </p:blipFill>
-          <p:spPr>
-            <a:xfrm>
-              <a:off x="770709" y="179912"/>
-              <a:ext cx="10116457" cy="6207826"/>
-            </a:xfrm>
-            <a:prstGeom prst="rect">
-              <a:avLst/>
-            </a:prstGeom>
-          </p:spPr>
-        </p:pic>
-        <p:grpSp>
-          <p:nvGrpSpPr>
-            <p:cNvPr id="14" name="Agrupar 13"/>
-            <p:cNvGrpSpPr/>
-            <p:nvPr/>
-          </p:nvGrpSpPr>
-          <p:grpSpPr>
-            <a:xfrm>
-              <a:off x="1593669" y="1449977"/>
-              <a:ext cx="8873380" cy="4937761"/>
-              <a:chOff x="1593669" y="1449977"/>
-              <a:chExt cx="8873380" cy="4937761"/>
-            </a:xfrm>
-          </p:grpSpPr>
-          <p:pic>
-            <p:nvPicPr>
-              <p:cNvPr id="5" name="Imagem 4"/>
-              <p:cNvPicPr>
-                <a:picLocks noChangeAspect="1"/>
-              </p:cNvPicPr>
-              <p:nvPr/>
-            </p:nvPicPr>
-            <p:blipFill>
-              <a:blip r:embed="rId3"/>
-              <a:stretch>
-                <a:fillRect/>
-              </a:stretch>
-            </p:blipFill>
-            <p:spPr>
-              <a:xfrm>
-                <a:off x="9053919" y="5385161"/>
-                <a:ext cx="1235803" cy="780507"/>
-              </a:xfrm>
-              <a:prstGeom prst="rect">
-                <a:avLst/>
-              </a:prstGeom>
-            </p:spPr>
-          </p:pic>
-          <p:pic>
-            <p:nvPicPr>
-              <p:cNvPr id="9" name="Imagem 8"/>
-              <p:cNvPicPr>
-                <a:picLocks noChangeAspect="1"/>
-              </p:cNvPicPr>
-              <p:nvPr/>
-            </p:nvPicPr>
-            <p:blipFill>
-              <a:blip r:embed="rId4"/>
-              <a:stretch>
-                <a:fillRect/>
-              </a:stretch>
-            </p:blipFill>
-            <p:spPr>
-              <a:xfrm>
-                <a:off x="6263396" y="5339720"/>
-                <a:ext cx="1956300" cy="1048018"/>
-              </a:xfrm>
-              <a:prstGeom prst="rect">
-                <a:avLst/>
-              </a:prstGeom>
-            </p:spPr>
-          </p:pic>
-          <p:pic>
-            <p:nvPicPr>
-              <p:cNvPr id="10" name="Imagem 9"/>
-              <p:cNvPicPr>
-                <a:picLocks noChangeAspect="1"/>
-              </p:cNvPicPr>
-              <p:nvPr/>
-            </p:nvPicPr>
-            <p:blipFill>
-              <a:blip r:embed="rId5"/>
-              <a:stretch>
-                <a:fillRect/>
-              </a:stretch>
-            </p:blipFill>
-            <p:spPr>
-              <a:xfrm>
-                <a:off x="3970699" y="2840912"/>
-                <a:ext cx="1956578" cy="1130197"/>
-              </a:xfrm>
-              <a:prstGeom prst="rect">
-                <a:avLst/>
-              </a:prstGeom>
-            </p:spPr>
-          </p:pic>
-          <p:pic>
-            <p:nvPicPr>
-              <p:cNvPr id="11" name="Imagem 10"/>
-              <p:cNvPicPr>
-                <a:picLocks noChangeAspect="1"/>
-              </p:cNvPicPr>
-              <p:nvPr/>
-            </p:nvPicPr>
-            <p:blipFill>
-              <a:blip r:embed="rId6"/>
-              <a:stretch>
-                <a:fillRect/>
-              </a:stretch>
-            </p:blipFill>
-            <p:spPr>
-              <a:xfrm>
-                <a:off x="4178889" y="1627550"/>
-                <a:ext cx="1461105" cy="1037273"/>
-              </a:xfrm>
-              <a:prstGeom prst="rect">
-                <a:avLst/>
-              </a:prstGeom>
-            </p:spPr>
-          </p:pic>
-          <p:pic>
-            <p:nvPicPr>
-              <p:cNvPr id="1028" name="Picture 4" descr="Coronavírus (COVID-19): informe-se aqui! - Brasil Escola"/>
-              <p:cNvPicPr>
-                <a:picLocks noChangeAspect="1" noChangeArrowheads="1"/>
-              </p:cNvPicPr>
-              <p:nvPr/>
-            </p:nvPicPr>
-            <p:blipFill rotWithShape="1">
-              <a:blip r:embed="rId7" cstate="print">
-                <a:extLst>
-                  <a:ext uri="{28A0092B-C50C-407E-A947-70E740481C1C}">
-                    <a14:useLocalDpi xmlns:a14="http://schemas.microsoft.com/office/drawing/2010/main" val="0"/>
-                  </a:ext>
-                </a:extLst>
-              </a:blip>
-              <a:srcRect r="33236"/>
-              <a:stretch/>
-            </p:blipFill>
-            <p:spPr bwMode="auto">
-              <a:xfrm>
-                <a:off x="2076994" y="1627550"/>
-                <a:ext cx="796835" cy="745949"/>
-              </a:xfrm>
-              <a:prstGeom prst="rect">
-                <a:avLst/>
-              </a:prstGeom>
-              <a:noFill/>
-              <a:extLst>
-                <a:ext uri="{909E8E84-426E-40DD-AFC4-6F175D3DCCD1}">
-                  <a14:hiddenFill xmlns:a14="http://schemas.microsoft.com/office/drawing/2010/main">
-                    <a:solidFill>
-                      <a:srgbClr val="FFFFFF"/>
-                    </a:solidFill>
-                  </a14:hiddenFill>
-                </a:ext>
-              </a:extLst>
-            </p:spPr>
-          </p:pic>
-          <p:sp>
-            <p:nvSpPr>
-              <p:cNvPr id="12" name="CaixaDeTexto 11"/>
-              <p:cNvSpPr txBox="1"/>
-              <p:nvPr/>
-            </p:nvSpPr>
-            <p:spPr>
-              <a:xfrm>
-                <a:off x="2076994" y="2373499"/>
-                <a:ext cx="796835" cy="261610"/>
-              </a:xfrm>
-              <a:prstGeom prst="rect">
-                <a:avLst/>
-              </a:prstGeom>
-              <a:noFill/>
-            </p:spPr>
-            <p:txBody>
-              <a:bodyPr wrap="square" rtlCol="0">
-                <a:spAutoFit/>
-              </a:bodyPr>
-              <a:lstStyle/>
-              <a:p>
-                <a:r>
-                  <a:rPr lang="pt-BR" sz="1100" b="1" dirty="0" smtClean="0">
-                    <a:solidFill>
-                      <a:schemeClr val="bg1"/>
-                    </a:solidFill>
-                  </a:rPr>
-                  <a:t>COVID -19</a:t>
-                </a:r>
-                <a:endParaRPr lang="pt-BR" sz="1100" b="1" dirty="0">
-                  <a:solidFill>
-                    <a:schemeClr val="bg1"/>
-                  </a:solidFill>
-                </a:endParaRPr>
-              </a:p>
-            </p:txBody>
-          </p:sp>
-          <p:sp>
-            <p:nvSpPr>
-              <p:cNvPr id="13" name="Retângulo 12"/>
-              <p:cNvSpPr/>
-              <p:nvPr/>
-            </p:nvSpPr>
-            <p:spPr>
-              <a:xfrm>
-                <a:off x="1593669" y="1449977"/>
-                <a:ext cx="1698171" cy="1214846"/>
-              </a:xfrm>
-              <a:prstGeom prst="rect">
-                <a:avLst/>
-              </a:prstGeom>
-              <a:noFill/>
-              <a:ln w="76200">
-                <a:solidFill>
-                  <a:srgbClr val="FFFF00"/>
-                </a:solidFill>
-              </a:ln>
-            </p:spPr>
-            <p:style>
-              <a:lnRef idx="2">
-                <a:schemeClr val="accent4"/>
-              </a:lnRef>
-              <a:fillRef idx="1">
-                <a:schemeClr val="lt1"/>
-              </a:fillRef>
-              <a:effectRef idx="0">
-                <a:schemeClr val="accent4"/>
-              </a:effectRef>
-              <a:fontRef idx="minor">
-                <a:schemeClr val="dk1"/>
-              </a:fontRef>
-            </p:style>
-            <p:txBody>
-              <a:bodyPr rtlCol="0" anchor="ctr"/>
-              <a:lstStyle/>
-              <a:p>
-                <a:pPr algn="ctr"/>
-                <a:endParaRPr lang="pt-BR"/>
-              </a:p>
-            </p:txBody>
-          </p:sp>
-          <p:sp>
-            <p:nvSpPr>
-              <p:cNvPr id="16" name="Retângulo 15"/>
-              <p:cNvSpPr/>
-              <p:nvPr/>
-            </p:nvSpPr>
-            <p:spPr>
-              <a:xfrm>
-                <a:off x="4114800" y="1508500"/>
-                <a:ext cx="1698171" cy="1214846"/>
-              </a:xfrm>
-              <a:prstGeom prst="rect">
-                <a:avLst/>
-              </a:prstGeom>
-              <a:noFill/>
-              <a:ln w="76200">
-                <a:solidFill>
-                  <a:srgbClr val="FFFF00"/>
-                </a:solidFill>
-              </a:ln>
-            </p:spPr>
-            <p:style>
-              <a:lnRef idx="2">
-                <a:schemeClr val="accent4"/>
-              </a:lnRef>
-              <a:fillRef idx="1">
-                <a:schemeClr val="lt1"/>
-              </a:fillRef>
-              <a:effectRef idx="0">
-                <a:schemeClr val="accent4"/>
-              </a:effectRef>
-              <a:fontRef idx="minor">
-                <a:schemeClr val="dk1"/>
-              </a:fontRef>
-            </p:style>
-            <p:txBody>
-              <a:bodyPr rtlCol="0" anchor="ctr"/>
-              <a:lstStyle/>
-              <a:p>
-                <a:pPr algn="ctr"/>
-                <a:endParaRPr lang="pt-BR"/>
-              </a:p>
-            </p:txBody>
-          </p:sp>
-          <p:sp>
-            <p:nvSpPr>
-              <p:cNvPr id="17" name="Retângulo 16"/>
-              <p:cNvSpPr/>
-              <p:nvPr/>
-            </p:nvSpPr>
-            <p:spPr>
-              <a:xfrm>
-                <a:off x="4130766" y="2873829"/>
-                <a:ext cx="1698171" cy="1214846"/>
-              </a:xfrm>
-              <a:prstGeom prst="rect">
-                <a:avLst/>
-              </a:prstGeom>
-              <a:noFill/>
-              <a:ln w="76200">
-                <a:solidFill>
-                  <a:srgbClr val="FFFF00"/>
-                </a:solidFill>
-              </a:ln>
-            </p:spPr>
-            <p:style>
-              <a:lnRef idx="2">
-                <a:schemeClr val="accent4"/>
-              </a:lnRef>
-              <a:fillRef idx="1">
-                <a:schemeClr val="lt1"/>
-              </a:fillRef>
-              <a:effectRef idx="0">
-                <a:schemeClr val="accent4"/>
-              </a:effectRef>
-              <a:fontRef idx="minor">
-                <a:schemeClr val="dk1"/>
-              </a:fontRef>
-            </p:style>
-            <p:txBody>
-              <a:bodyPr rtlCol="0" anchor="ctr"/>
-              <a:lstStyle/>
-              <a:p>
-                <a:pPr algn="ctr"/>
-                <a:endParaRPr lang="pt-BR"/>
-              </a:p>
-            </p:txBody>
-          </p:sp>
-          <p:sp>
-            <p:nvSpPr>
-              <p:cNvPr id="20" name="Retângulo 19"/>
-              <p:cNvSpPr/>
-              <p:nvPr/>
-            </p:nvSpPr>
-            <p:spPr>
-              <a:xfrm>
-                <a:off x="6392460" y="5167991"/>
-                <a:ext cx="1698171" cy="1214846"/>
-              </a:xfrm>
-              <a:prstGeom prst="rect">
-                <a:avLst/>
-              </a:prstGeom>
-              <a:noFill/>
-              <a:ln w="76200">
-                <a:solidFill>
-                  <a:srgbClr val="FFFF00"/>
-                </a:solidFill>
-              </a:ln>
-            </p:spPr>
-            <p:style>
-              <a:lnRef idx="2">
-                <a:schemeClr val="accent4"/>
-              </a:lnRef>
-              <a:fillRef idx="1">
-                <a:schemeClr val="lt1"/>
-              </a:fillRef>
-              <a:effectRef idx="0">
-                <a:schemeClr val="accent4"/>
-              </a:effectRef>
-              <a:fontRef idx="minor">
-                <a:schemeClr val="dk1"/>
-              </a:fontRef>
-            </p:style>
-            <p:txBody>
-              <a:bodyPr rtlCol="0" anchor="ctr"/>
-              <a:lstStyle/>
-              <a:p>
-                <a:pPr algn="ctr"/>
-                <a:endParaRPr lang="pt-BR"/>
-              </a:p>
-            </p:txBody>
-          </p:sp>
-          <p:sp>
-            <p:nvSpPr>
-              <p:cNvPr id="21" name="Retângulo 20"/>
-              <p:cNvSpPr/>
-              <p:nvPr/>
-            </p:nvSpPr>
-            <p:spPr>
-              <a:xfrm>
-                <a:off x="8768878" y="5167991"/>
-                <a:ext cx="1698171" cy="1214846"/>
-              </a:xfrm>
-              <a:prstGeom prst="rect">
-                <a:avLst/>
-              </a:prstGeom>
-              <a:noFill/>
-              <a:ln w="76200">
-                <a:solidFill>
-                  <a:srgbClr val="FFFF00"/>
-                </a:solidFill>
-              </a:ln>
-            </p:spPr>
-            <p:style>
-              <a:lnRef idx="2">
-                <a:schemeClr val="accent4"/>
-              </a:lnRef>
-              <a:fillRef idx="1">
-                <a:schemeClr val="lt1"/>
-              </a:fillRef>
-              <a:effectRef idx="0">
-                <a:schemeClr val="accent4"/>
-              </a:effectRef>
-              <a:fontRef idx="minor">
-                <a:schemeClr val="dk1"/>
-              </a:fontRef>
-            </p:style>
-            <p:txBody>
-              <a:bodyPr rtlCol="0" anchor="ctr"/>
-              <a:lstStyle/>
-              <a:p>
-                <a:pPr algn="ctr"/>
-                <a:endParaRPr lang="pt-BR"/>
-              </a:p>
-            </p:txBody>
-          </p:sp>
-        </p:grpSp>
-      </p:grpSp>
-    </p:spTree>
-    <p:extLst>
-      <p:ext uri="{BB962C8B-B14F-4D97-AF65-F5344CB8AC3E}">
-        <p14:creationId xmlns:p14="http://schemas.microsoft.com/office/powerpoint/2010/main" val="1227896254"/>
-      </p:ext>
-    </p:extLst>
-  </p:cSld>
-  <p:clrMapOvr>
-    <a:masterClrMapping/>
-  </p:clrMapOvr>
-</p:sld>
-</file>
-
-<file path=ppt/slides/slide2.xml><?xml version="1.0" encoding="utf-8"?>
-<p:sld xmlns:a="http://schemas.openxmlformats.org/drawingml/2006/main" xmlns:r="http://schemas.openxmlformats.org/officeDocument/2006/relationships" xmlns:p="http://schemas.openxmlformats.org/presentationml/2006/main">
-  <p:cSld>
-    <p:spTree>
-      <p:nvGrpSpPr>
-        <p:cNvPr id="1" name=""/>
-        <p:cNvGrpSpPr/>
-        <p:nvPr/>
-      </p:nvGrpSpPr>
-      <p:grpSpPr>
-        <a:xfrm>
-          <a:off x="0" y="0"/>
-          <a:ext cx="0" cy="0"/>
-          <a:chOff x="0" y="0"/>
-          <a:chExt cx="0" cy="0"/>
-        </a:xfrm>
-      </p:grpSpPr>
-      <p:grpSp>
-        <p:nvGrpSpPr>
           <p:cNvPr id="2" name="Agrupar 1"/>
           <p:cNvGrpSpPr/>
           <p:nvPr/>
@@ -3782,7 +3306,7 @@
 </p:sld>
 </file>
 
-<file path=ppt/slides/slide3.xml><?xml version="1.0" encoding="utf-8"?>
+<file path=ppt/slides/slide2.xml><?xml version="1.0" encoding="utf-8"?>
 <p:sld xmlns:a="http://schemas.openxmlformats.org/drawingml/2006/main" xmlns:r="http://schemas.openxmlformats.org/officeDocument/2006/relationships" xmlns:p="http://schemas.openxmlformats.org/presentationml/2006/main">
   <p:cSld>
     <p:spTree>
@@ -4285,7 +3809,7 @@
 </p:sld>
 </file>
 
-<file path=ppt/slides/slide4.xml><?xml version="1.0" encoding="utf-8"?>
+<file path=ppt/slides/slide3.xml><?xml version="1.0" encoding="utf-8"?>
 <p:sld xmlns:a="http://schemas.openxmlformats.org/drawingml/2006/main" xmlns:r="http://schemas.openxmlformats.org/officeDocument/2006/relationships" xmlns:p="http://schemas.openxmlformats.org/presentationml/2006/main">
   <p:cSld>
     <p:spTree>
@@ -4589,7 +4113,7 @@
 </p:sld>
 </file>
 
-<file path=ppt/slides/slide5.xml><?xml version="1.0" encoding="utf-8"?>
+<file path=ppt/slides/slide4.xml><?xml version="1.0" encoding="utf-8"?>
 <p:sld xmlns:a="http://schemas.openxmlformats.org/drawingml/2006/main" xmlns:r="http://schemas.openxmlformats.org/officeDocument/2006/relationships" xmlns:p="http://schemas.openxmlformats.org/presentationml/2006/main">
   <p:cSld>
     <p:spTree>
@@ -4818,6 +4342,145 @@
 </p:sld>
 </file>
 
+<file path=ppt/slides/slide5.xml><?xml version="1.0" encoding="utf-8"?>
+<p:sld xmlns:a="http://schemas.openxmlformats.org/drawingml/2006/main" xmlns:r="http://schemas.openxmlformats.org/officeDocument/2006/relationships" xmlns:p="http://schemas.openxmlformats.org/presentationml/2006/main">
+  <p:cSld>
+    <p:spTree>
+      <p:nvGrpSpPr>
+        <p:cNvPr id="1" name=""/>
+        <p:cNvGrpSpPr/>
+        <p:nvPr/>
+      </p:nvGrpSpPr>
+      <p:grpSpPr>
+        <a:xfrm>
+          <a:off x="0" y="0"/>
+          <a:ext cx="0" cy="0"/>
+          <a:chOff x="0" y="0"/>
+          <a:chExt cx="0" cy="0"/>
+        </a:xfrm>
+      </p:grpSpPr>
+      <p:grpSp>
+        <p:nvGrpSpPr>
+          <p:cNvPr id="8" name="Agrupar 7"/>
+          <p:cNvGrpSpPr/>
+          <p:nvPr/>
+        </p:nvGrpSpPr>
+        <p:grpSpPr>
+          <a:xfrm>
+            <a:off x="483325" y="530350"/>
+            <a:ext cx="11240519" cy="5805136"/>
+            <a:chOff x="483325" y="530350"/>
+            <a:chExt cx="11240519" cy="5805136"/>
+          </a:xfrm>
+        </p:grpSpPr>
+        <p:pic>
+          <p:nvPicPr>
+            <p:cNvPr id="5" name="Imagem 4"/>
+            <p:cNvPicPr>
+              <a:picLocks noChangeAspect="1"/>
+            </p:cNvPicPr>
+            <p:nvPr/>
+          </p:nvPicPr>
+          <p:blipFill>
+            <a:blip r:embed="rId2"/>
+            <a:stretch>
+              <a:fillRect/>
+            </a:stretch>
+          </p:blipFill>
+          <p:spPr>
+            <a:xfrm>
+              <a:off x="483325" y="530350"/>
+              <a:ext cx="11240519" cy="5805136"/>
+            </a:xfrm>
+            <a:prstGeom prst="rect">
+              <a:avLst/>
+            </a:prstGeom>
+          </p:spPr>
+        </p:pic>
+        <p:pic>
+          <p:nvPicPr>
+            <p:cNvPr id="6" name="Imagem 5"/>
+            <p:cNvPicPr>
+              <a:picLocks noChangeAspect="1"/>
+            </p:cNvPicPr>
+            <p:nvPr/>
+          </p:nvPicPr>
+          <p:blipFill>
+            <a:blip r:embed="rId3"/>
+            <a:stretch>
+              <a:fillRect/>
+            </a:stretch>
+          </p:blipFill>
+          <p:spPr>
+            <a:xfrm>
+              <a:off x="9374777" y="4583702"/>
+              <a:ext cx="914400" cy="590550"/>
+            </a:xfrm>
+            <a:prstGeom prst="rect">
+              <a:avLst/>
+            </a:prstGeom>
+          </p:spPr>
+        </p:pic>
+        <p:sp>
+          <p:nvSpPr>
+            <p:cNvPr id="7" name="Retângulo 6"/>
+            <p:cNvSpPr/>
+            <p:nvPr/>
+          </p:nvSpPr>
+          <p:spPr>
+            <a:xfrm>
+              <a:off x="8721319" y="5371274"/>
+              <a:ext cx="2221317" cy="338554"/>
+            </a:xfrm>
+            <a:prstGeom prst="rect">
+              <a:avLst/>
+            </a:prstGeom>
+          </p:spPr>
+          <p:txBody>
+            <a:bodyPr wrap="square">
+              <a:spAutoFit/>
+            </a:bodyPr>
+            <a:lstStyle/>
+            <a:p>
+              <a:pPr algn="ctr"/>
+              <a:r>
+                <a:rPr lang="pt-BR" sz="1600" dirty="0" smtClean="0">
+                  <a:solidFill>
+                    <a:schemeClr val="bg1"/>
+                  </a:solidFill>
+                </a:rPr>
+                <a:t>Doaç</a:t>
+              </a:r>
+              <a:r>
+                <a:rPr lang="pt-BR" sz="1600" dirty="0" smtClean="0">
+                  <a:solidFill>
+                    <a:schemeClr val="bg1"/>
+                  </a:solidFill>
+                </a:rPr>
+                <a:t>ões</a:t>
+              </a:r>
+              <a:endParaRPr lang="pt-BR" sz="1400" dirty="0">
+                <a:solidFill>
+                  <a:schemeClr val="bg1"/>
+                </a:solidFill>
+              </a:endParaRPr>
+            </a:p>
+          </p:txBody>
+        </p:sp>
+      </p:grpSp>
+    </p:spTree>
+    <p:extLst>
+      <p:ext uri="{BB962C8B-B14F-4D97-AF65-F5344CB8AC3E}">
+        <p14:creationId xmlns:p14="http://schemas.microsoft.com/office/powerpoint/2010/main" val="801519553"/>
+      </p:ext>
+    </p:extLst>
+  </p:cSld>
+  <p:clrMapOvr>
+    <a:masterClrMapping/>
+  </p:clrMapOvr>
+</p:sld>
+</file>
+
 <file path=ppt/slides/slide6.xml><?xml version="1.0" encoding="utf-8"?>
 <p:sld xmlns:a="http://schemas.openxmlformats.org/drawingml/2006/main" xmlns:r="http://schemas.openxmlformats.org/officeDocument/2006/relationships" xmlns:p="http://schemas.openxmlformats.org/presentationml/2006/main">
   <p:cSld>
@@ -4835,51 +4498,528 @@
           <a:chExt cx="0" cy="0"/>
         </a:xfrm>
       </p:grpSpPr>
-      <p:sp>
-        <p:nvSpPr>
-          <p:cNvPr id="2" name="Título 1"/>
-          <p:cNvSpPr>
-            <a:spLocks noGrp="1"/>
-          </p:cNvSpPr>
-          <p:nvPr>
-            <p:ph type="title"/>
-          </p:nvPr>
-        </p:nvSpPr>
-        <p:spPr/>
-        <p:txBody>
-          <a:bodyPr/>
+      <p:grpSp>
+        <p:nvGrpSpPr>
+          <p:cNvPr id="7" name="Agrupar 6"/>
+          <p:cNvGrpSpPr/>
+          <p:nvPr/>
+        </p:nvGrpSpPr>
+        <p:grpSpPr>
+          <a:xfrm>
+            <a:off x="1367148" y="136206"/>
+            <a:ext cx="9544379" cy="3247074"/>
+            <a:chOff x="1367148" y="136206"/>
+            <a:chExt cx="9544379" cy="3247074"/>
+          </a:xfrm>
+        </p:grpSpPr>
+        <p:pic>
+          <p:nvPicPr>
+            <p:cNvPr id="4" name="Imagem 3"/>
+            <p:cNvPicPr>
+              <a:picLocks noChangeAspect="1"/>
+            </p:cNvPicPr>
+            <p:nvPr/>
+          </p:nvPicPr>
+          <p:blipFill>
+            <a:blip r:embed="rId2"/>
+            <a:stretch>
+              <a:fillRect/>
+            </a:stretch>
+          </p:blipFill>
+          <p:spPr>
+            <a:xfrm>
+              <a:off x="1632448" y="136206"/>
+              <a:ext cx="8883152" cy="2397481"/>
+            </a:xfrm>
+            <a:prstGeom prst="rect">
+              <a:avLst/>
+            </a:prstGeom>
+          </p:spPr>
+        </p:pic>
+        <p:pic>
+          <p:nvPicPr>
+            <p:cNvPr id="5" name="Imagem 4"/>
+            <p:cNvPicPr>
+              <a:picLocks noChangeAspect="1"/>
+            </p:cNvPicPr>
+            <p:nvPr/>
+          </p:nvPicPr>
+          <p:blipFill>
+            <a:blip r:embed="rId3"/>
+            <a:stretch>
+              <a:fillRect/>
+            </a:stretch>
+          </p:blipFill>
+          <p:spPr>
+            <a:xfrm>
+              <a:off x="1367148" y="2653665"/>
+              <a:ext cx="9544379" cy="729615"/>
+            </a:xfrm>
+            <a:prstGeom prst="rect">
+              <a:avLst/>
+            </a:prstGeom>
+          </p:spPr>
+        </p:pic>
+      </p:grpSp>
+      <p:sp>
+        <p:nvSpPr>
+          <p:cNvPr id="6" name="CaixaDeTexto 5"/>
+          <p:cNvSpPr txBox="1"/>
+          <p:nvPr/>
+        </p:nvSpPr>
+        <p:spPr>
+          <a:xfrm>
+            <a:off x="1632448" y="3383280"/>
+            <a:ext cx="9614672" cy="3831818"/>
+          </a:xfrm>
+          <a:prstGeom prst="rect">
+            <a:avLst/>
+          </a:prstGeom>
+          <a:noFill/>
+        </p:spPr>
+        <p:txBody>
+          <a:bodyPr wrap="square" rtlCol="0">
+            <a:spAutoFit/>
+          </a:bodyPr>
           <a:lstStyle/>
           <a:p>
             <a:r>
-              <a:rPr lang="pt-BR" dirty="0"/>
-              <a:t>Dados epidemiológicos</a:t>
-            </a:r>
-          </a:p>
-        </p:txBody>
-      </p:sp>
-      <p:sp>
-        <p:nvSpPr>
-          <p:cNvPr id="3" name="Espaço Reservado para Conteúdo 2"/>
-          <p:cNvSpPr>
-            <a:spLocks noGrp="1"/>
-          </p:cNvSpPr>
-          <p:nvPr>
-            <p:ph idx="1"/>
-          </p:nvPr>
-        </p:nvSpPr>
-        <p:spPr/>
-        <p:txBody>
-          <a:bodyPr/>
-          <a:lstStyle/>
-          <a:p>
-            <a:endParaRPr lang="pt-BR"/>
+              <a:rPr lang="pt-BR" sz="1500" dirty="0"/>
+              <a:t>Com foco no fomento da transparência e melhores práticas para atender ao cidadão, o Estado de Minas Gerais disponibiliza seção específica para divulgar dados referentes à COVID-19 no estado de Minas</a:t>
+            </a:r>
+            <a:r>
+              <a:rPr lang="pt-BR" sz="1500" dirty="0" smtClean="0"/>
+              <a:t>.</a:t>
+            </a:r>
+          </a:p>
+          <a:p>
+            <a:endParaRPr lang="pt-BR" sz="1500" dirty="0"/>
+          </a:p>
+          <a:p>
+            <a:r>
+              <a:rPr lang="pt-BR" sz="1500" dirty="0"/>
+              <a:t>As informações disponíveis na nova seção são relativas a</a:t>
+            </a:r>
+            <a:r>
+              <a:rPr lang="pt-BR" sz="1500" dirty="0" smtClean="0"/>
+              <a:t>:</a:t>
+            </a:r>
+          </a:p>
+          <a:p>
+            <a:r>
+              <a:rPr lang="pt-BR" sz="1500" dirty="0" smtClean="0"/>
+              <a:t>•</a:t>
+            </a:r>
+            <a:r>
+              <a:rPr lang="pt-BR" sz="1500" dirty="0"/>
+              <a:t> </a:t>
+            </a:r>
+            <a:r>
+              <a:rPr lang="pt-BR" sz="1500" dirty="0">
+                <a:hlinkClick r:id="rId4"/>
+              </a:rPr>
+              <a:t>Legislação e Normativos</a:t>
+            </a:r>
+            <a:r>
+              <a:rPr lang="pt-BR" sz="1500" dirty="0"/>
+              <a:t> relacionados às medidas de proteção e combate à COVID-19;</a:t>
+            </a:r>
+            <a:br>
+              <a:rPr lang="pt-BR" sz="1500" dirty="0"/>
+            </a:br>
+            <a:r>
+              <a:rPr lang="pt-BR" sz="1500" dirty="0"/>
+              <a:t>•</a:t>
+            </a:r>
+            <a:r>
+              <a:rPr lang="pt-BR" sz="1500" dirty="0">
+                <a:hlinkClick r:id="rId5"/>
+              </a:rPr>
+              <a:t> Dados abertos</a:t>
+            </a:r>
+            <a:r>
+              <a:rPr lang="pt-BR" sz="1500" dirty="0"/>
+              <a:t>: todos os conjuntos de dados relacionados a COVID-19 ;</a:t>
+            </a:r>
+            <a:br>
+              <a:rPr lang="pt-BR" sz="1500" dirty="0"/>
+            </a:br>
+            <a:r>
+              <a:rPr lang="pt-BR" sz="1500" dirty="0"/>
+              <a:t>•</a:t>
+            </a:r>
+            <a:r>
+              <a:rPr lang="pt-BR" sz="1500" dirty="0">
+                <a:hlinkClick r:id="rId6"/>
+              </a:rPr>
+              <a:t> Conselho de Transparência e Combate à Corrupção</a:t>
+            </a:r>
+            <a:r>
+              <a:rPr lang="pt-BR" sz="1500" dirty="0"/>
+              <a:t>: informações sobre o Conselho de Transparência e Combate à Corrupção e sua atuação no monitoramento e avaliação das ações relacionadas ao enfrentamento da COVID-19; e</a:t>
+            </a:r>
+            <a:br>
+              <a:rPr lang="pt-BR" sz="1500" dirty="0"/>
+            </a:br>
+            <a:r>
+              <a:rPr lang="pt-BR" sz="1500" dirty="0"/>
+              <a:t>• </a:t>
+            </a:r>
+            <a:r>
+              <a:rPr lang="pt-BR" sz="1500" dirty="0">
+                <a:hlinkClick r:id="rId7"/>
+              </a:rPr>
+              <a:t>Dados Epidemiológicos:</a:t>
+            </a:r>
+            <a:r>
+              <a:rPr lang="pt-BR" sz="1500" dirty="0"/>
+              <a:t> informações relativas ao boletim epidemiológicos, painel de monitoramento de casos, orientações para o cidadão e outros dados relacionados ao </a:t>
+            </a:r>
+            <a:r>
+              <a:rPr lang="pt-BR" sz="1500" dirty="0" err="1"/>
+              <a:t>coronavírus</a:t>
+            </a:r>
+            <a:r>
+              <a:rPr lang="pt-BR" sz="1500" dirty="0"/>
+              <a:t> divulgadas pela Secretaria de Estado da Saúde.</a:t>
+            </a:r>
+          </a:p>
+          <a:p>
+            <a:r>
+              <a:rPr lang="pt-BR" sz="1500" dirty="0"/>
+              <a:t>É possível, ainda, solicitar informações relativas à pandemia por meio do</a:t>
+            </a:r>
+            <a:r>
+              <a:rPr lang="pt-BR" sz="1500" dirty="0">
+                <a:hlinkClick r:id="rId8"/>
+              </a:rPr>
+              <a:t> Acesso à Informação </a:t>
+            </a:r>
+            <a:r>
+              <a:rPr lang="pt-BR" sz="1500" dirty="0"/>
+              <a:t>e realizar denúncias, reclamações e sugestões por meio do canal exclusivo da </a:t>
+            </a:r>
+            <a:r>
+              <a:rPr lang="pt-BR" sz="1500" dirty="0">
+                <a:hlinkClick r:id="rId9"/>
+              </a:rPr>
+              <a:t>Ouvidoria</a:t>
+            </a:r>
+            <a:r>
+              <a:rPr lang="pt-BR" sz="1500" dirty="0"/>
+              <a:t>.</a:t>
+            </a:r>
+          </a:p>
+          <a:p>
+            <a:r>
+              <a:rPr lang="pt-BR" sz="1500" dirty="0"/>
+              <a:t>As informações sobre as contratações e aquisições para enfrentar a emergência de saúde pública decorrente da pandemia da COVID-19 estão dispostas no Portal de Transparência de três formas, para conhecê-las </a:t>
+            </a:r>
+            <a:r>
+              <a:rPr lang="pt-BR" sz="1500" dirty="0">
+                <a:hlinkClick r:id="rId10"/>
+              </a:rPr>
+              <a:t>clique aqui</a:t>
+            </a:r>
+            <a:r>
+              <a:rPr lang="pt-BR" sz="1500" dirty="0"/>
+              <a:t>.</a:t>
+            </a:r>
+          </a:p>
+          <a:p>
+            <a:endParaRPr lang="pt-BR" sz="1500" dirty="0"/>
+          </a:p>
+          <a:p>
+            <a:endParaRPr lang="pt-BR" dirty="0"/>
           </a:p>
         </p:txBody>
       </p:sp>
     </p:spTree>
     <p:extLst>
       <p:ext uri="{BB962C8B-B14F-4D97-AF65-F5344CB8AC3E}">
-        <p14:creationId xmlns:p14="http://schemas.microsoft.com/office/powerpoint/2010/main" val="801519553"/>
+        <p14:creationId xmlns:p14="http://schemas.microsoft.com/office/powerpoint/2010/main" val="3270441518"/>
+      </p:ext>
+    </p:extLst>
+  </p:cSld>
+  <p:clrMapOvr>
+    <a:masterClrMapping/>
+  </p:clrMapOvr>
+</p:sld>
+</file>
+
+<file path=ppt/slides/slide7.xml><?xml version="1.0" encoding="utf-8"?>
+<p:sld xmlns:a="http://schemas.openxmlformats.org/drawingml/2006/main" xmlns:r="http://schemas.openxmlformats.org/officeDocument/2006/relationships" xmlns:p="http://schemas.openxmlformats.org/presentationml/2006/main">
+  <p:cSld>
+    <p:spTree>
+      <p:nvGrpSpPr>
+        <p:cNvPr id="1" name=""/>
+        <p:cNvGrpSpPr/>
+        <p:nvPr/>
+      </p:nvGrpSpPr>
+      <p:grpSpPr>
+        <a:xfrm>
+          <a:off x="0" y="0"/>
+          <a:ext cx="0" cy="0"/>
+          <a:chOff x="0" y="0"/>
+          <a:chExt cx="0" cy="0"/>
+        </a:xfrm>
+      </p:grpSpPr>
+      <p:sp>
+        <p:nvSpPr>
+          <p:cNvPr id="4" name="CaixaDeTexto 3"/>
+          <p:cNvSpPr txBox="1"/>
+          <p:nvPr/>
+        </p:nvSpPr>
+        <p:spPr>
+          <a:xfrm>
+            <a:off x="1188310" y="1005840"/>
+            <a:ext cx="9849803" cy="4985980"/>
+          </a:xfrm>
+          <a:prstGeom prst="rect">
+            <a:avLst/>
+          </a:prstGeom>
+          <a:noFill/>
+        </p:spPr>
+        <p:txBody>
+          <a:bodyPr wrap="square" rtlCol="0">
+            <a:spAutoFit/>
+          </a:bodyPr>
+          <a:lstStyle/>
+          <a:p>
+            <a:r>
+              <a:rPr lang="pt-BR" sz="1500" dirty="0"/>
+              <a:t>Com foco no fomento da transparência e melhores práticas para atender ao cidadão, o Estado de Minas Gerais disponibiliza seção específica para divulgar dados referentes à COVID-19 no estado de Minas</a:t>
+            </a:r>
+            <a:r>
+              <a:rPr lang="pt-BR" sz="1500" dirty="0" smtClean="0"/>
+              <a:t>.</a:t>
+            </a:r>
+          </a:p>
+          <a:p>
+            <a:endParaRPr lang="pt-BR" sz="1500" dirty="0"/>
+          </a:p>
+          <a:p>
+            <a:r>
+              <a:rPr lang="pt-BR" sz="1500" dirty="0"/>
+              <a:t>As informações disponíveis na nova seção são relativas a</a:t>
+            </a:r>
+            <a:r>
+              <a:rPr lang="pt-BR" sz="1500" dirty="0" smtClean="0"/>
+              <a:t>:</a:t>
+            </a:r>
+          </a:p>
+          <a:p>
+            <a:r>
+              <a:rPr lang="pt-BR" sz="1500" dirty="0" smtClean="0"/>
+              <a:t>•</a:t>
+            </a:r>
+            <a:r>
+              <a:rPr lang="pt-BR" sz="1500" dirty="0"/>
+              <a:t> </a:t>
+            </a:r>
+            <a:r>
+              <a:rPr lang="pt-BR" sz="1500" dirty="0">
+                <a:hlinkClick r:id="rId2"/>
+              </a:rPr>
+              <a:t>Legislação e Normativos</a:t>
+            </a:r>
+            <a:r>
+              <a:rPr lang="pt-BR" sz="1500" dirty="0"/>
+              <a:t> relacionados às medidas de proteção e combate à COVID-19;</a:t>
+            </a:r>
+            <a:br>
+              <a:rPr lang="pt-BR" sz="1500" dirty="0"/>
+            </a:br>
+            <a:r>
+              <a:rPr lang="pt-BR" sz="1500" dirty="0"/>
+              <a:t>•</a:t>
+            </a:r>
+            <a:r>
+              <a:rPr lang="pt-BR" sz="1500" dirty="0">
+                <a:hlinkClick r:id="rId3"/>
+              </a:rPr>
+              <a:t> Dados abertos</a:t>
+            </a:r>
+            <a:r>
+              <a:rPr lang="pt-BR" sz="1500" dirty="0"/>
+              <a:t>: todos os conjuntos de dados relacionados a COVID-19 ;</a:t>
+            </a:r>
+            <a:br>
+              <a:rPr lang="pt-BR" sz="1500" dirty="0"/>
+            </a:br>
+            <a:r>
+              <a:rPr lang="pt-BR" sz="1500" dirty="0"/>
+              <a:t>•</a:t>
+            </a:r>
+            <a:r>
+              <a:rPr lang="pt-BR" sz="1500" dirty="0">
+                <a:hlinkClick r:id="rId4"/>
+              </a:rPr>
+              <a:t> Conselho de Transparência e Combate à Corrupção</a:t>
+            </a:r>
+            <a:r>
+              <a:rPr lang="pt-BR" sz="1500" dirty="0"/>
+              <a:t>: informações sobre o Conselho de Transparência e Combate à Corrupção e sua atuação no monitoramento e avaliação das ações relacionadas ao enfrentamento da COVID-19; e</a:t>
+            </a:r>
+            <a:br>
+              <a:rPr lang="pt-BR" sz="1500" dirty="0"/>
+            </a:br>
+            <a:r>
+              <a:rPr lang="pt-BR" sz="1500" dirty="0"/>
+              <a:t>• </a:t>
+            </a:r>
+            <a:r>
+              <a:rPr lang="pt-BR" sz="1500" dirty="0">
+                <a:hlinkClick r:id="rId5"/>
+              </a:rPr>
+              <a:t>Dados Epidemiológicos:</a:t>
+            </a:r>
+            <a:r>
+              <a:rPr lang="pt-BR" sz="1500" dirty="0"/>
+              <a:t> informações relativas ao boletim epidemiológicos, painel de monitoramento de casos, orientações para o cidadão e outros dados relacionados ao </a:t>
+            </a:r>
+            <a:r>
+              <a:rPr lang="pt-BR" sz="1500" dirty="0" err="1"/>
+              <a:t>coronavírus</a:t>
+            </a:r>
+            <a:r>
+              <a:rPr lang="pt-BR" sz="1500" dirty="0"/>
+              <a:t> divulgadas pela Secretaria de Estado da Saúde</a:t>
+            </a:r>
+            <a:r>
+              <a:rPr lang="pt-BR" sz="1500" dirty="0" smtClean="0"/>
+              <a:t>.</a:t>
+            </a:r>
+          </a:p>
+          <a:p>
+            <a:r>
+              <a:rPr lang="pt-BR" sz="1500" dirty="0"/>
+              <a:t>•</a:t>
+            </a:r>
+            <a:r>
+              <a:rPr lang="pt-BR" sz="1500" dirty="0">
+                <a:solidFill>
+                  <a:schemeClr val="accent1">
+                    <a:lumMod val="75000"/>
+                  </a:schemeClr>
+                </a:solidFill>
+              </a:rPr>
+              <a:t> </a:t>
+            </a:r>
+            <a:r>
+              <a:rPr lang="pt-BR" sz="1500" u="sng" dirty="0" smtClean="0">
+                <a:solidFill>
+                  <a:schemeClr val="accent1">
+                    <a:lumMod val="75000"/>
+                  </a:schemeClr>
+                </a:solidFill>
+              </a:rPr>
+              <a:t>Doações</a:t>
+            </a:r>
+            <a:r>
+              <a:rPr lang="pt-BR" sz="1500" dirty="0"/>
+              <a:t> </a:t>
+            </a:r>
+            <a:r>
+              <a:rPr lang="pt-BR" sz="1500" dirty="0" err="1" smtClean="0"/>
+              <a:t>xxxxxxxxx</a:t>
+            </a:r>
+            <a:endParaRPr lang="pt-BR" sz="1500" dirty="0" smtClean="0"/>
+          </a:p>
+          <a:p>
+            <a:r>
+              <a:rPr lang="pt-BR" sz="1500" dirty="0"/>
+              <a:t>• </a:t>
+            </a:r>
+            <a:r>
+              <a:rPr lang="pt-BR" sz="1500" u="sng" dirty="0" smtClean="0">
+                <a:solidFill>
+                  <a:schemeClr val="accent1">
+                    <a:lumMod val="75000"/>
+                  </a:schemeClr>
+                </a:solidFill>
+              </a:rPr>
+              <a:t>Medidas </a:t>
+            </a:r>
+            <a:r>
+              <a:rPr lang="pt-BR" sz="1500" u="sng" dirty="0">
+                <a:solidFill>
+                  <a:schemeClr val="accent1">
+                    <a:lumMod val="75000"/>
+                  </a:schemeClr>
+                </a:solidFill>
+              </a:rPr>
+              <a:t>de estímulo econômico e proteção social </a:t>
+            </a:r>
+            <a:r>
+              <a:rPr lang="pt-BR" sz="1500" dirty="0" err="1" smtClean="0"/>
+              <a:t>xxxxxxxxxx</a:t>
+            </a:r>
+            <a:endParaRPr lang="pt-BR" sz="1500" dirty="0" smtClean="0"/>
+          </a:p>
+          <a:p>
+            <a:endParaRPr lang="pt-BR" sz="1500" dirty="0"/>
+          </a:p>
+          <a:p>
+            <a:endParaRPr lang="pt-BR" sz="1500" dirty="0"/>
+          </a:p>
+          <a:p>
+            <a:r>
+              <a:rPr lang="pt-BR" sz="1500" dirty="0"/>
+              <a:t>É possível, ainda, solicitar informações relativas à pandemia por meio do</a:t>
+            </a:r>
+            <a:r>
+              <a:rPr lang="pt-BR" sz="1500" dirty="0">
+                <a:hlinkClick r:id="rId6"/>
+              </a:rPr>
+              <a:t> Acesso à Informação </a:t>
+            </a:r>
+            <a:r>
+              <a:rPr lang="pt-BR" sz="1500" dirty="0"/>
+              <a:t>e realizar denúncias, reclamações e sugestões por meio do canal exclusivo da </a:t>
+            </a:r>
+            <a:r>
+              <a:rPr lang="pt-BR" sz="1500" dirty="0">
+                <a:hlinkClick r:id="rId7"/>
+              </a:rPr>
+              <a:t>Ouvidoria</a:t>
+            </a:r>
+            <a:r>
+              <a:rPr lang="pt-BR" sz="1500" dirty="0" smtClean="0"/>
+              <a:t>.</a:t>
+            </a:r>
+          </a:p>
+          <a:p>
+            <a:endParaRPr lang="pt-BR" sz="1500" dirty="0"/>
+          </a:p>
+          <a:p>
+            <a:r>
+              <a:rPr lang="pt-BR" sz="1500" dirty="0"/>
+              <a:t>As informações sobre as contratações e aquisições para enfrentar a emergência de saúde pública decorrente da pandemia da COVID-19 estão dispostas no Portal de Transparência de três formas, para conhecê-las </a:t>
+            </a:r>
+            <a:r>
+              <a:rPr lang="pt-BR" sz="1500" dirty="0">
+                <a:hlinkClick r:id="rId8"/>
+              </a:rPr>
+              <a:t>clique aqui</a:t>
+            </a:r>
+            <a:r>
+              <a:rPr lang="pt-BR" sz="1500" dirty="0"/>
+              <a:t>.</a:t>
+            </a:r>
+          </a:p>
+          <a:p>
+            <a:endParaRPr lang="pt-BR" sz="1500" dirty="0"/>
+          </a:p>
+          <a:p>
+            <a:endParaRPr lang="pt-BR" dirty="0"/>
+          </a:p>
+        </p:txBody>
+      </p:sp>
+    </p:spTree>
+    <p:extLst>
+      <p:ext uri="{BB962C8B-B14F-4D97-AF65-F5344CB8AC3E}">
+        <p14:creationId xmlns:p14="http://schemas.microsoft.com/office/powerpoint/2010/main" val="2854600927"/>
       </p:ext>
     </p:extLst>
   </p:cSld>

--- a/static/pagina-inicial-espec-covid19.pptx
+++ b/static/pagina-inicial-espec-covid19.pptx
@@ -275,7 +275,7 @@
           <a:p>
             <a:fld id="{0DAC32FC-DBAC-4007-937A-15B4E69A3744}" type="datetimeFigureOut">
               <a:rPr lang="pt-BR" smtClean="0"/>
-              <a:t>15/07/2020</a:t>
+              <a:t>16/07/2020</a:t>
             </a:fld>
             <a:endParaRPr lang="pt-BR"/>
           </a:p>
@@ -445,7 +445,7 @@
           <a:p>
             <a:fld id="{0DAC32FC-DBAC-4007-937A-15B4E69A3744}" type="datetimeFigureOut">
               <a:rPr lang="pt-BR" smtClean="0"/>
-              <a:t>15/07/2020</a:t>
+              <a:t>16/07/2020</a:t>
             </a:fld>
             <a:endParaRPr lang="pt-BR"/>
           </a:p>
@@ -625,7 +625,7 @@
           <a:p>
             <a:fld id="{0DAC32FC-DBAC-4007-937A-15B4E69A3744}" type="datetimeFigureOut">
               <a:rPr lang="pt-BR" smtClean="0"/>
-              <a:t>15/07/2020</a:t>
+              <a:t>16/07/2020</a:t>
             </a:fld>
             <a:endParaRPr lang="pt-BR"/>
           </a:p>
@@ -795,7 +795,7 @@
           <a:p>
             <a:fld id="{0DAC32FC-DBAC-4007-937A-15B4E69A3744}" type="datetimeFigureOut">
               <a:rPr lang="pt-BR" smtClean="0"/>
-              <a:t>15/07/2020</a:t>
+              <a:t>16/07/2020</a:t>
             </a:fld>
             <a:endParaRPr lang="pt-BR"/>
           </a:p>
@@ -1041,7 +1041,7 @@
           <a:p>
             <a:fld id="{0DAC32FC-DBAC-4007-937A-15B4E69A3744}" type="datetimeFigureOut">
               <a:rPr lang="pt-BR" smtClean="0"/>
-              <a:t>15/07/2020</a:t>
+              <a:t>16/07/2020</a:t>
             </a:fld>
             <a:endParaRPr lang="pt-BR"/>
           </a:p>
@@ -1273,7 +1273,7 @@
           <a:p>
             <a:fld id="{0DAC32FC-DBAC-4007-937A-15B4E69A3744}" type="datetimeFigureOut">
               <a:rPr lang="pt-BR" smtClean="0"/>
-              <a:t>15/07/2020</a:t>
+              <a:t>16/07/2020</a:t>
             </a:fld>
             <a:endParaRPr lang="pt-BR"/>
           </a:p>
@@ -1640,7 +1640,7 @@
           <a:p>
             <a:fld id="{0DAC32FC-DBAC-4007-937A-15B4E69A3744}" type="datetimeFigureOut">
               <a:rPr lang="pt-BR" smtClean="0"/>
-              <a:t>15/07/2020</a:t>
+              <a:t>16/07/2020</a:t>
             </a:fld>
             <a:endParaRPr lang="pt-BR"/>
           </a:p>
@@ -1758,7 +1758,7 @@
           <a:p>
             <a:fld id="{0DAC32FC-DBAC-4007-937A-15B4E69A3744}" type="datetimeFigureOut">
               <a:rPr lang="pt-BR" smtClean="0"/>
-              <a:t>15/07/2020</a:t>
+              <a:t>16/07/2020</a:t>
             </a:fld>
             <a:endParaRPr lang="pt-BR"/>
           </a:p>
@@ -1853,7 +1853,7 @@
           <a:p>
             <a:fld id="{0DAC32FC-DBAC-4007-937A-15B4E69A3744}" type="datetimeFigureOut">
               <a:rPr lang="pt-BR" smtClean="0"/>
-              <a:t>15/07/2020</a:t>
+              <a:t>16/07/2020</a:t>
             </a:fld>
             <a:endParaRPr lang="pt-BR"/>
           </a:p>
@@ -2130,7 +2130,7 @@
           <a:p>
             <a:fld id="{0DAC32FC-DBAC-4007-937A-15B4E69A3744}" type="datetimeFigureOut">
               <a:rPr lang="pt-BR" smtClean="0"/>
-              <a:t>15/07/2020</a:t>
+              <a:t>16/07/2020</a:t>
             </a:fld>
             <a:endParaRPr lang="pt-BR"/>
           </a:p>
@@ -2383,7 +2383,7 @@
           <a:p>
             <a:fld id="{0DAC32FC-DBAC-4007-937A-15B4E69A3744}" type="datetimeFigureOut">
               <a:rPr lang="pt-BR" smtClean="0"/>
-              <a:t>15/07/2020</a:t>
+              <a:t>16/07/2020</a:t>
             </a:fld>
             <a:endParaRPr lang="pt-BR"/>
           </a:p>
@@ -2596,7 +2596,7 @@
           <a:p>
             <a:fld id="{0DAC32FC-DBAC-4007-937A-15B4E69A3744}" type="datetimeFigureOut">
               <a:rPr lang="pt-BR" smtClean="0"/>
-              <a:t>15/07/2020</a:t>
+              <a:t>16/07/2020</a:t>
             </a:fld>
             <a:endParaRPr lang="pt-BR"/>
           </a:p>
@@ -3927,7 +3927,7 @@
           <p:spPr>
             <a:xfrm>
               <a:off x="1704703" y="2404877"/>
-              <a:ext cx="8438606" cy="923330"/>
+              <a:ext cx="8438606" cy="707886"/>
             </a:xfrm>
             <a:prstGeom prst="rect">
               <a:avLst/>
@@ -3979,7 +3979,7 @@
                 <a:t> COVID-19 </a:t>
               </a:r>
               <a:r>
-                <a:rPr lang="pt-BR" sz="1000" dirty="0" smtClean="0">
+                <a:rPr lang="pt-BR" sz="1000" dirty="0">
                   <a:solidFill>
                     <a:schemeClr val="tx1">
                       <a:lumMod val="50000"/>
@@ -3987,8 +3987,27 @@
                     </a:schemeClr>
                   </a:solidFill>
                 </a:rPr>
-                <a:t>/ Legislação e Normativos</a:t>
+                <a:t>/ Ouvidoria </a:t>
               </a:r>
+              <a:r>
+                <a:rPr lang="pt-BR" sz="1000" dirty="0" err="1">
+                  <a:solidFill>
+                    <a:schemeClr val="tx1">
+                      <a:lumMod val="50000"/>
+                      <a:lumOff val="50000"/>
+                    </a:schemeClr>
+                  </a:solidFill>
+                </a:rPr>
+                <a:t>Coronavírus</a:t>
+              </a:r>
+              <a:endParaRPr lang="pt-BR" sz="1000" dirty="0" smtClean="0">
+                <a:solidFill>
+                  <a:schemeClr val="tx1">
+                    <a:lumMod val="50000"/>
+                    <a:lumOff val="50000"/>
+                  </a:schemeClr>
+                </a:solidFill>
+              </a:endParaRPr>
             </a:p>
             <a:p>
               <a:endParaRPr lang="pt-BR" sz="1000" dirty="0">
@@ -4022,17 +4041,6 @@
                   </a:schemeClr>
                 </a:solidFill>
               </a:endParaRPr>
-            </a:p>
-            <a:p>
-              <a:pPr marL="742950" lvl="1" indent="-285750">
-                <a:buFont typeface="Arial" panose="020B0604020202020204" pitchFamily="34" charset="0"/>
-                <a:buChar char="•"/>
-              </a:pPr>
-              <a:r>
-                <a:rPr lang="pt-BR" sz="1400" dirty="0" smtClean="0"/>
-                <a:t>Lei Estadual nº 23.640/20 </a:t>
-              </a:r>
-              <a:endParaRPr lang="pt-BR" sz="1400" dirty="0"/>
             </a:p>
           </p:txBody>
         </p:sp>
@@ -4068,8 +4076,8 @@
           </p:nvSpPr>
           <p:spPr>
             <a:xfrm>
-              <a:off x="3879669" y="1750422"/>
-              <a:ext cx="3905794" cy="369332"/>
+              <a:off x="3148149" y="1812150"/>
+              <a:ext cx="5577839" cy="369332"/>
             </a:xfrm>
             <a:prstGeom prst="rect">
               <a:avLst/>
@@ -4084,12 +4092,20 @@
             <a:p>
               <a:pPr algn="ctr"/>
               <a:r>
-                <a:rPr lang="pt-BR" b="1" dirty="0" smtClean="0">
+                <a:rPr lang="pt-BR" b="1" dirty="0">
                   <a:solidFill>
                     <a:schemeClr val="bg1"/>
                   </a:solidFill>
                 </a:rPr>
-                <a:t>Legislação e Normativos</a:t>
+                <a:t>Ouvidoria </a:t>
+              </a:r>
+              <a:r>
+                <a:rPr lang="pt-BR" b="1" dirty="0" err="1">
+                  <a:solidFill>
+                    <a:schemeClr val="bg1"/>
+                  </a:solidFill>
+                </a:rPr>
+                <a:t>Coronavírus</a:t>
               </a:r>
               <a:endParaRPr lang="pt-BR" b="1" dirty="0">
                 <a:solidFill>
@@ -4449,15 +4465,7 @@
                     <a:schemeClr val="bg1"/>
                   </a:solidFill>
                 </a:rPr>
-                <a:t>Doaç</a:t>
-              </a:r>
-              <a:r>
-                <a:rPr lang="pt-BR" sz="1600" dirty="0" smtClean="0">
-                  <a:solidFill>
-                    <a:schemeClr val="bg1"/>
-                  </a:solidFill>
-                </a:rPr>
-                <a:t>ões</a:t>
+                <a:t>Doações</a:t>
               </a:r>
               <a:endParaRPr lang="pt-BR" sz="1400" dirty="0">
                 <a:solidFill>
